--- a/Apresentação Projeto Integrador de Ciência de Dados e Inteligência.pptx
+++ b/Apresentação Projeto Integrador de Ciência de Dados e Inteligência.pptx
@@ -21,9 +21,10 @@
     <p:sldId id="266" r:id="rId15"/>
     <p:sldId id="274" r:id="rId16"/>
     <p:sldId id="267" r:id="rId17"/>
-    <p:sldId id="273" r:id="rId18"/>
-    <p:sldId id="268" r:id="rId19"/>
-    <p:sldId id="269" r:id="rId20"/>
+    <p:sldId id="275" r:id="rId18"/>
+    <p:sldId id="273" r:id="rId19"/>
+    <p:sldId id="268" r:id="rId20"/>
+    <p:sldId id="269" r:id="rId21"/>
   </p:sldIdLst>
   <p:sldSz cx="12192000" cy="6858000"/>
   <p:notesSz cx="6858000" cy="9144000"/>
@@ -122,6 +123,11 @@
       </a:defRPr>
     </a:lvl9pPr>
   </p:defaultTextStyle>
+  <p:extLst>
+    <p:ext uri="{EFAFB233-063F-42B5-8137-9DF3F51BA10A}">
+      <p15:sldGuideLst xmlns:p15="http://schemas.microsoft.com/office/powerpoint/2012/main"/>
+    </p:ext>
+  </p:extLst>
 </p:presentation>
 </file>
 
@@ -272,7 +278,7 @@
           <a:p>
             <a:fld id="{FBCCBF62-9DA1-496F-B266-7D449AF781F3}" type="datetimeFigureOut">
               <a:rPr lang="pt-BR" smtClean="0"/>
-              <a:t>02/05/2024</a:t>
+              <a:t>03/05/2024</a:t>
             </a:fld>
             <a:endParaRPr lang="pt-BR" dirty="0"/>
           </a:p>
@@ -470,7 +476,7 @@
           <a:p>
             <a:fld id="{FBCCBF62-9DA1-496F-B266-7D449AF781F3}" type="datetimeFigureOut">
               <a:rPr lang="pt-BR" smtClean="0"/>
-              <a:t>02/05/2024</a:t>
+              <a:t>03/05/2024</a:t>
             </a:fld>
             <a:endParaRPr lang="pt-BR" dirty="0"/>
           </a:p>
@@ -678,7 +684,7 @@
           <a:p>
             <a:fld id="{FBCCBF62-9DA1-496F-B266-7D449AF781F3}" type="datetimeFigureOut">
               <a:rPr lang="pt-BR" smtClean="0"/>
-              <a:t>02/05/2024</a:t>
+              <a:t>03/05/2024</a:t>
             </a:fld>
             <a:endParaRPr lang="pt-BR" dirty="0"/>
           </a:p>
@@ -876,7 +882,7 @@
           <a:p>
             <a:fld id="{FBCCBF62-9DA1-496F-B266-7D449AF781F3}" type="datetimeFigureOut">
               <a:rPr lang="pt-BR" smtClean="0"/>
-              <a:t>02/05/2024</a:t>
+              <a:t>03/05/2024</a:t>
             </a:fld>
             <a:endParaRPr lang="pt-BR" dirty="0"/>
           </a:p>
@@ -1151,7 +1157,7 @@
           <a:p>
             <a:fld id="{FBCCBF62-9DA1-496F-B266-7D449AF781F3}" type="datetimeFigureOut">
               <a:rPr lang="pt-BR" smtClean="0"/>
-              <a:t>02/05/2024</a:t>
+              <a:t>03/05/2024</a:t>
             </a:fld>
             <a:endParaRPr lang="pt-BR" dirty="0"/>
           </a:p>
@@ -1416,7 +1422,7 @@
           <a:p>
             <a:fld id="{FBCCBF62-9DA1-496F-B266-7D449AF781F3}" type="datetimeFigureOut">
               <a:rPr lang="pt-BR" smtClean="0"/>
-              <a:t>02/05/2024</a:t>
+              <a:t>03/05/2024</a:t>
             </a:fld>
             <a:endParaRPr lang="pt-BR" dirty="0"/>
           </a:p>
@@ -1828,7 +1834,7 @@
           <a:p>
             <a:fld id="{FBCCBF62-9DA1-496F-B266-7D449AF781F3}" type="datetimeFigureOut">
               <a:rPr lang="pt-BR" smtClean="0"/>
-              <a:t>02/05/2024</a:t>
+              <a:t>03/05/2024</a:t>
             </a:fld>
             <a:endParaRPr lang="pt-BR" dirty="0"/>
           </a:p>
@@ -1969,7 +1975,7 @@
           <a:p>
             <a:fld id="{FBCCBF62-9DA1-496F-B266-7D449AF781F3}" type="datetimeFigureOut">
               <a:rPr lang="pt-BR" smtClean="0"/>
-              <a:t>02/05/2024</a:t>
+              <a:t>03/05/2024</a:t>
             </a:fld>
             <a:endParaRPr lang="pt-BR" dirty="0"/>
           </a:p>
@@ -2082,7 +2088,7 @@
           <a:p>
             <a:fld id="{FBCCBF62-9DA1-496F-B266-7D449AF781F3}" type="datetimeFigureOut">
               <a:rPr lang="pt-BR" smtClean="0"/>
-              <a:t>02/05/2024</a:t>
+              <a:t>03/05/2024</a:t>
             </a:fld>
             <a:endParaRPr lang="pt-BR" dirty="0"/>
           </a:p>
@@ -2393,7 +2399,7 @@
           <a:p>
             <a:fld id="{FBCCBF62-9DA1-496F-B266-7D449AF781F3}" type="datetimeFigureOut">
               <a:rPr lang="pt-BR" smtClean="0"/>
-              <a:t>02/05/2024</a:t>
+              <a:t>03/05/2024</a:t>
             </a:fld>
             <a:endParaRPr lang="pt-BR" dirty="0"/>
           </a:p>
@@ -2681,7 +2687,7 @@
           <a:p>
             <a:fld id="{FBCCBF62-9DA1-496F-B266-7D449AF781F3}" type="datetimeFigureOut">
               <a:rPr lang="pt-BR" smtClean="0"/>
-              <a:t>02/05/2024</a:t>
+              <a:t>03/05/2024</a:t>
             </a:fld>
             <a:endParaRPr lang="pt-BR" dirty="0"/>
           </a:p>
@@ -2922,7 +2928,7 @@
           <a:p>
             <a:fld id="{FBCCBF62-9DA1-496F-B266-7D449AF781F3}" type="datetimeFigureOut">
               <a:rPr lang="pt-BR" smtClean="0"/>
-              <a:t>02/05/2024</a:t>
+              <a:t>03/05/2024</a:t>
             </a:fld>
             <a:endParaRPr lang="pt-BR" dirty="0"/>
           </a:p>
@@ -7903,12 +7909,247 @@
           <a:chExt cx="0" cy="0"/>
         </a:xfrm>
       </p:grpSpPr>
+      <p:sp useBgFill="1">
+        <p:nvSpPr>
+          <p:cNvPr id="14" name="Rectangle 13">
+            <a:extLst>
+              <a:ext uri="{FF2B5EF4-FFF2-40B4-BE49-F238E27FC236}">
+                <a16:creationId xmlns:a16="http://schemas.microsoft.com/office/drawing/2014/main" id="{5AC43B5F-CE3F-4DB7-8215-9ACF03FB5F2E}"/>
+              </a:ext>
+              <a:ext uri="{C183D7F6-B498-43B3-948B-1728B52AA6E4}">
+                <adec:decorative xmlns:adec="http://schemas.microsoft.com/office/drawing/2017/decorative" val="1"/>
+              </a:ext>
+            </a:extLst>
+          </p:cNvPr>
+          <p:cNvSpPr>
+            <a:spLocks noGrp="1" noRot="1" noChangeAspect="1" noMove="1" noResize="1" noEditPoints="1" noAdjustHandles="1" noChangeArrowheads="1" noChangeShapeType="1" noTextEdit="1"/>
+          </p:cNvSpPr>
+          <p:nvPr>
+            <p:extLst>
+              <p:ext uri="{386F3935-93C4-4BCD-93E2-E3B085C9AB24}">
+                <p16:designElem xmlns:p16="http://schemas.microsoft.com/office/powerpoint/2015/main" val="1"/>
+              </p:ext>
+            </p:extLst>
+          </p:nvPr>
+        </p:nvSpPr>
+        <p:spPr>
+          <a:xfrm>
+            <a:off x="0" y="0"/>
+            <a:ext cx="12192000" cy="6858000"/>
+          </a:xfrm>
+          <a:prstGeom prst="rect">
+            <a:avLst/>
+          </a:prstGeom>
+          <a:ln w="12700" cap="flat" cmpd="sng" algn="ctr">
+            <a:noFill/>
+            <a:prstDash val="solid"/>
+            <a:miter lim="800000"/>
+          </a:ln>
+          <a:effectLst/>
+          <a:extLst>
+            <a:ext uri="{91240B29-F687-4F45-9708-019B960494DF}">
+              <a14:hiddenLine xmlns:a14="http://schemas.microsoft.com/office/drawing/2010/main" w="12700" cap="flat" cmpd="sng" algn="ctr">
+                <a:solidFill>
+                  <a:schemeClr val="accent1">
+                    <a:shade val="50000"/>
+                  </a:schemeClr>
+                </a:solidFill>
+                <a:prstDash val="solid"/>
+                <a:miter lim="800000"/>
+              </a14:hiddenLine>
+            </a:ext>
+          </a:extLst>
+        </p:spPr>
+        <p:style>
+          <a:lnRef idx="2">
+            <a:schemeClr val="accent1">
+              <a:shade val="50000"/>
+            </a:schemeClr>
+          </a:lnRef>
+          <a:fillRef idx="1">
+            <a:schemeClr val="accent1"/>
+          </a:fillRef>
+          <a:effectRef idx="0">
+            <a:schemeClr val="accent1"/>
+          </a:effectRef>
+          <a:fontRef idx="minor">
+            <a:schemeClr val="lt1"/>
+          </a:fontRef>
+        </p:style>
+        <p:txBody>
+          <a:bodyPr rtlCol="0" anchor="ctr"/>
+          <a:lstStyle/>
+          <a:p>
+            <a:pPr algn="ctr"/>
+            <a:endParaRPr lang="en-US"/>
+          </a:p>
+        </p:txBody>
+      </p:sp>
+      <p:grpSp>
+        <p:nvGrpSpPr>
+          <p:cNvPr id="16" name="Group 15">
+            <a:extLst>
+              <a:ext uri="{FF2B5EF4-FFF2-40B4-BE49-F238E27FC236}">
+                <a16:creationId xmlns:a16="http://schemas.microsoft.com/office/drawing/2014/main" id="{F938B951-7EFC-40A2-B198-E73D39DFB3FC}"/>
+              </a:ext>
+              <a:ext uri="{C183D7F6-B498-43B3-948B-1728B52AA6E4}">
+                <adec:decorative xmlns:adec="http://schemas.microsoft.com/office/drawing/2017/decorative" val="1"/>
+              </a:ext>
+            </a:extLst>
+          </p:cNvPr>
+          <p:cNvGrpSpPr>
+            <a:grpSpLocks noGrp="1" noUngrp="1" noRot="1" noChangeAspect="1" noMove="1" noResize="1"/>
+          </p:cNvGrpSpPr>
+          <p:nvPr>
+            <p:extLst>
+              <p:ext uri="{386F3935-93C4-4BCD-93E2-E3B085C9AB24}">
+                <p16:designElem xmlns:p16="http://schemas.microsoft.com/office/powerpoint/2015/main" val="1"/>
+              </p:ext>
+            </p:extLst>
+          </p:nvPr>
+        </p:nvGrpSpPr>
+        <p:grpSpPr>
+          <a:xfrm>
+            <a:off x="0" y="0"/>
+            <a:ext cx="12192000" cy="6858000"/>
+            <a:chOff x="0" y="0"/>
+            <a:chExt cx="12192000" cy="6858000"/>
+          </a:xfrm>
+        </p:grpSpPr>
+        <p:sp>
+          <p:nvSpPr>
+            <p:cNvPr id="17" name="Rectangle 16">
+              <a:extLst>
+                <a:ext uri="{FF2B5EF4-FFF2-40B4-BE49-F238E27FC236}">
+                  <a16:creationId xmlns:a16="http://schemas.microsoft.com/office/drawing/2014/main" id="{92E4506E-6A0E-49A0-BC31-8CADBFF3ECCF}"/>
+                </a:ext>
+                <a:ext uri="{C183D7F6-B498-43B3-948B-1728B52AA6E4}">
+                  <adec:decorative xmlns:adec="http://schemas.microsoft.com/office/drawing/2017/decorative" val="1"/>
+                </a:ext>
+              </a:extLst>
+            </p:cNvPr>
+            <p:cNvSpPr/>
+            <p:nvPr>
+              <p:extLst>
+                <p:ext uri="{386F3935-93C4-4BCD-93E2-E3B085C9AB24}">
+                  <p16:designElem xmlns:p16="http://schemas.microsoft.com/office/powerpoint/2015/main" val="1"/>
+                </p:ext>
+              </p:extLst>
+            </p:nvPr>
+          </p:nvSpPr>
+          <p:spPr>
+            <a:xfrm>
+              <a:off x="0" y="0"/>
+              <a:ext cx="12192000" cy="6858000"/>
+            </a:xfrm>
+            <a:prstGeom prst="rect">
+              <a:avLst/>
+            </a:prstGeom>
+            <a:solidFill>
+              <a:schemeClr val="bg1">
+                <a:lumMod val="95000"/>
+              </a:schemeClr>
+            </a:solidFill>
+            <a:ln>
+              <a:noFill/>
+            </a:ln>
+          </p:spPr>
+          <p:style>
+            <a:lnRef idx="2">
+              <a:schemeClr val="accent1">
+                <a:shade val="50000"/>
+              </a:schemeClr>
+            </a:lnRef>
+            <a:fillRef idx="1">
+              <a:schemeClr val="accent1"/>
+            </a:fillRef>
+            <a:effectRef idx="0">
+              <a:schemeClr val="accent1"/>
+            </a:effectRef>
+            <a:fontRef idx="minor">
+              <a:schemeClr val="lt1"/>
+            </a:fontRef>
+          </p:style>
+          <p:txBody>
+            <a:bodyPr rtlCol="0" anchor="ctr"/>
+            <a:lstStyle/>
+            <a:p>
+              <a:pPr algn="ctr"/>
+              <a:endParaRPr lang="en-US"/>
+            </a:p>
+          </p:txBody>
+        </p:sp>
+        <p:sp>
+          <p:nvSpPr>
+            <p:cNvPr id="18" name="Rectangle 17">
+              <a:extLst>
+                <a:ext uri="{FF2B5EF4-FFF2-40B4-BE49-F238E27FC236}">
+                  <a16:creationId xmlns:a16="http://schemas.microsoft.com/office/drawing/2014/main" id="{EEED4D51-65BF-4AEE-B596-7CB61A70B966}"/>
+                </a:ext>
+                <a:ext uri="{C183D7F6-B498-43B3-948B-1728B52AA6E4}">
+                  <adec:decorative xmlns:adec="http://schemas.microsoft.com/office/drawing/2017/decorative" val="1"/>
+                </a:ext>
+              </a:extLst>
+            </p:cNvPr>
+            <p:cNvSpPr/>
+            <p:nvPr>
+              <p:extLst>
+                <p:ext uri="{386F3935-93C4-4BCD-93E2-E3B085C9AB24}">
+                  <p16:designElem xmlns:p16="http://schemas.microsoft.com/office/powerpoint/2015/main" val="1"/>
+                </p:ext>
+              </p:extLst>
+            </p:nvPr>
+          </p:nvSpPr>
+          <p:spPr>
+            <a:xfrm>
+              <a:off x="0" y="0"/>
+              <a:ext cx="12192000" cy="6858000"/>
+            </a:xfrm>
+            <a:prstGeom prst="rect">
+              <a:avLst/>
+            </a:prstGeom>
+            <a:solidFill>
+              <a:schemeClr val="accent4">
+                <a:lumMod val="75000"/>
+                <a:alpha val="7000"/>
+              </a:schemeClr>
+            </a:solidFill>
+            <a:ln>
+              <a:noFill/>
+            </a:ln>
+          </p:spPr>
+          <p:style>
+            <a:lnRef idx="2">
+              <a:schemeClr val="accent1">
+                <a:shade val="50000"/>
+              </a:schemeClr>
+            </a:lnRef>
+            <a:fillRef idx="1">
+              <a:schemeClr val="accent1"/>
+            </a:fillRef>
+            <a:effectRef idx="0">
+              <a:schemeClr val="accent1"/>
+            </a:effectRef>
+            <a:fontRef idx="minor">
+              <a:schemeClr val="lt1"/>
+            </a:fontRef>
+          </p:style>
+          <p:txBody>
+            <a:bodyPr rtlCol="0" anchor="ctr"/>
+            <a:lstStyle/>
+            <a:p>
+              <a:pPr algn="ctr"/>
+              <a:endParaRPr lang="en-US"/>
+            </a:p>
+          </p:txBody>
+        </p:sp>
+      </p:grpSp>
       <p:sp>
         <p:nvSpPr>
           <p:cNvPr id="2" name="Título 1">
             <a:extLst>
               <a:ext uri="{FF2B5EF4-FFF2-40B4-BE49-F238E27FC236}">
-                <a16:creationId xmlns:a16="http://schemas.microsoft.com/office/drawing/2014/main" id="{F95522F4-D2F2-E5A4-4E40-0129088CE671}"/>
+                <a16:creationId xmlns:a16="http://schemas.microsoft.com/office/drawing/2014/main" id="{75254A5F-0CD2-195C-4F94-8E81CB16A9C5}"/>
               </a:ext>
             </a:extLst>
           </p:cNvPr>
@@ -7921,18 +8162,18 @@
         </p:nvSpPr>
         <p:spPr>
           <a:xfrm>
-            <a:off x="833120" y="1122363"/>
-            <a:ext cx="3200400" cy="2387600"/>
-          </a:xfrm>
-        </p:spPr>
-        <p:txBody>
-          <a:bodyPr vert="horz" lIns="91440" tIns="45720" rIns="91440" bIns="45720" rtlCol="0" anchor="b">
+            <a:off x="550863" y="366639"/>
+            <a:ext cx="11090274" cy="675441"/>
+          </a:xfrm>
+        </p:spPr>
+        <p:txBody>
+          <a:bodyPr vert="horz" wrap="square" lIns="91440" tIns="45720" rIns="91440" bIns="45720" rtlCol="0" anchor="t">
             <a:normAutofit/>
           </a:bodyPr>
           <a:lstStyle/>
           <a:p>
             <a:r>
-              <a:rPr lang="en-US" kern="1200">
+              <a:rPr lang="en-US" sz="4200" kern="1200" dirty="0" err="1">
                 <a:solidFill>
                   <a:schemeClr val="tx1"/>
                 </a:solidFill>
@@ -7940,17 +8181,50 @@
                 <a:ea typeface="+mj-ea"/>
                 <a:cs typeface="+mj-cs"/>
               </a:rPr>
-              <a:t>Verificação de Qualidade dos Dados</a:t>
+              <a:t>Tratamento</a:t>
+            </a:r>
+            <a:r>
+              <a:rPr lang="en-US" sz="4200" kern="1200" dirty="0">
+                <a:solidFill>
+                  <a:schemeClr val="tx1"/>
+                </a:solidFill>
+                <a:latin typeface="+mj-lt"/>
+                <a:ea typeface="+mj-ea"/>
+                <a:cs typeface="+mj-cs"/>
+              </a:rPr>
+              <a:t> e </a:t>
+            </a:r>
+            <a:r>
+              <a:rPr lang="en-US" sz="4200" kern="1200" dirty="0" err="1">
+                <a:solidFill>
+                  <a:schemeClr val="tx1"/>
+                </a:solidFill>
+                <a:latin typeface="+mj-lt"/>
+                <a:ea typeface="+mj-ea"/>
+                <a:cs typeface="+mj-cs"/>
+              </a:rPr>
+              <a:t>Qualidade</a:t>
+            </a:r>
+            <a:r>
+              <a:rPr lang="en-US" sz="4200" kern="1200" dirty="0">
+                <a:solidFill>
+                  <a:schemeClr val="tx1"/>
+                </a:solidFill>
+                <a:latin typeface="+mj-lt"/>
+                <a:ea typeface="+mj-ea"/>
+                <a:cs typeface="+mj-cs"/>
+              </a:rPr>
+              <a:t> dos dados</a:t>
             </a:r>
           </a:p>
         </p:txBody>
       </p:sp>
       <p:pic>
         <p:nvPicPr>
-          <p:cNvPr id="9" name="Espaço Reservado para Conteúdo 8" descr="Gráfico, Gráfico de caixa estreita&#10;&#10;Descrição gerada automaticamente com confiança média">
-            <a:extLst>
-              <a:ext uri="{FF2B5EF4-FFF2-40B4-BE49-F238E27FC236}">
-                <a16:creationId xmlns:a16="http://schemas.microsoft.com/office/drawing/2014/main" id="{DD992C0B-C217-569D-2E29-E947E4B8F986}"/>
+          <p:cNvPr id="9" name="Imagem 8">
+            <a:extLst>
+              <a:ext uri="{FF2B5EF4-FFF2-40B4-BE49-F238E27FC236}">
+                <a16:creationId xmlns:a16="http://schemas.microsoft.com/office/drawing/2014/main" id="{A5AED5F8-0B1A-5719-E159-916C585A6B13}"/>
               </a:ext>
             </a:extLst>
           </p:cNvPr>
@@ -7960,32 +8234,71 @@
           <p:nvPr/>
         </p:nvPicPr>
         <p:blipFill rotWithShape="1">
-          <a:blip r:embed="rId2">
-            <a:extLst>
-              <a:ext uri="{28A0092B-C50C-407E-A947-70E740481C1C}">
-                <a14:useLocalDpi xmlns:a14="http://schemas.microsoft.com/office/drawing/2010/main" val="0"/>
-              </a:ext>
-            </a:extLst>
-          </a:blip>
-          <a:srcRect l="3253" r="21017" b="2"/>
+          <a:blip r:embed="rId2"/>
+          <a:srcRect l="1664" r="11827" b="-1"/>
           <a:stretch/>
         </p:blipFill>
         <p:spPr>
           <a:xfrm>
-            <a:off x="5211469" y="321733"/>
-            <a:ext cx="1720962" cy="1539586"/>
+            <a:off x="550863" y="2133601"/>
+            <a:ext cx="7561262" cy="4173600"/>
           </a:xfrm>
           <a:prstGeom prst="rect">
             <a:avLst/>
           </a:prstGeom>
+          <a:effectLst>
+            <a:outerShdw blurRad="508000" dist="101600" dir="5400000" algn="tl" rotWithShape="0">
+              <a:prstClr val="black">
+                <a:alpha val="10000"/>
+              </a:prstClr>
+            </a:outerShdw>
+          </a:effectLst>
         </p:spPr>
       </p:pic>
       <p:pic>
         <p:nvPicPr>
-          <p:cNvPr id="11" name="Imagem 10" descr="Gráfico&#10;&#10;Descrição gerada automaticamente">
-            <a:extLst>
-              <a:ext uri="{FF2B5EF4-FFF2-40B4-BE49-F238E27FC236}">
-                <a16:creationId xmlns:a16="http://schemas.microsoft.com/office/drawing/2014/main" id="{752A7154-EC2F-19AE-F80D-19DDA1D90A09}"/>
+          <p:cNvPr id="5" name="Espaço Reservado para Conteúdo 4">
+            <a:extLst>
+              <a:ext uri="{FF2B5EF4-FFF2-40B4-BE49-F238E27FC236}">
+                <a16:creationId xmlns:a16="http://schemas.microsoft.com/office/drawing/2014/main" id="{D2C53CDE-91A1-94DB-DEDD-6DDA46694299}"/>
+              </a:ext>
+            </a:extLst>
+          </p:cNvPr>
+          <p:cNvPicPr>
+            <a:picLocks noGrp="1" noChangeAspect="1"/>
+          </p:cNvPicPr>
+          <p:nvPr>
+            <p:ph idx="1"/>
+          </p:nvPr>
+        </p:nvPicPr>
+        <p:blipFill rotWithShape="1">
+          <a:blip r:embed="rId3"/>
+          <a:srcRect t="2971" r="3" b="3"/>
+          <a:stretch/>
+        </p:blipFill>
+        <p:spPr>
+          <a:xfrm>
+            <a:off x="8292124" y="2133600"/>
+            <a:ext cx="3359899" cy="1996799"/>
+          </a:xfrm>
+          <a:prstGeom prst="rect">
+            <a:avLst/>
+          </a:prstGeom>
+          <a:effectLst>
+            <a:outerShdw blurRad="508000" dist="101600" dir="5400000" algn="tl" rotWithShape="0">
+              <a:prstClr val="black">
+                <a:alpha val="10000"/>
+              </a:prstClr>
+            </a:outerShdw>
+          </a:effectLst>
+        </p:spPr>
+      </p:pic>
+      <p:pic>
+        <p:nvPicPr>
+          <p:cNvPr id="7" name="Imagem 6">
+            <a:extLst>
+              <a:ext uri="{FF2B5EF4-FFF2-40B4-BE49-F238E27FC236}">
+                <a16:creationId xmlns:a16="http://schemas.microsoft.com/office/drawing/2014/main" id="{D38A0F2A-FC7A-3781-9A91-16C84B4C642F}"/>
               </a:ext>
             </a:extLst>
           </p:cNvPr>
@@ -7995,360 +8308,36 @@
           <p:nvPr/>
         </p:nvPicPr>
         <p:blipFill rotWithShape="1">
-          <a:blip r:embed="rId3">
-            <a:extLst>
-              <a:ext uri="{28A0092B-C50C-407E-A947-70E740481C1C}">
-                <a14:useLocalDpi xmlns:a14="http://schemas.microsoft.com/office/drawing/2010/main" val="0"/>
-              </a:ext>
-            </a:extLst>
-          </a:blip>
-          <a:srcRect r="8806" b="3"/>
+          <a:blip r:embed="rId4"/>
+          <a:srcRect l="7082" r="7600" b="-4"/>
           <a:stretch/>
         </p:blipFill>
         <p:spPr>
           <a:xfrm>
-            <a:off x="5215691" y="2622301"/>
-            <a:ext cx="1708799" cy="1545844"/>
+            <a:off x="8292124" y="4308380"/>
+            <a:ext cx="3358800" cy="1998000"/>
           </a:xfrm>
           <a:prstGeom prst="rect">
             <a:avLst/>
           </a:prstGeom>
-        </p:spPr>
-      </p:pic>
-      <p:pic>
-        <p:nvPicPr>
-          <p:cNvPr id="13" name="Imagem 12" descr="Gráfico, Gráfico de caixa estreita&#10;&#10;Descrição gerada automaticamente">
-            <a:extLst>
-              <a:ext uri="{FF2B5EF4-FFF2-40B4-BE49-F238E27FC236}">
-                <a16:creationId xmlns:a16="http://schemas.microsoft.com/office/drawing/2014/main" id="{BD9A4D32-00E5-4455-1CA4-15EC61A88D19}"/>
-              </a:ext>
-            </a:extLst>
-          </p:cNvPr>
-          <p:cNvPicPr>
-            <a:picLocks noChangeAspect="1"/>
-          </p:cNvPicPr>
-          <p:nvPr/>
-        </p:nvPicPr>
-        <p:blipFill rotWithShape="1">
-          <a:blip r:embed="rId4">
-            <a:extLst>
-              <a:ext uri="{28A0092B-C50C-407E-A947-70E740481C1C}">
-                <a14:useLocalDpi xmlns:a14="http://schemas.microsoft.com/office/drawing/2010/main" val="0"/>
-              </a:ext>
-            </a:extLst>
-          </a:blip>
-          <a:srcRect l="15804" r="11134" b="-2"/>
-          <a:stretch/>
-        </p:blipFill>
-        <p:spPr>
-          <a:xfrm>
-            <a:off x="8411523" y="372291"/>
-            <a:ext cx="2932086" cy="2638698"/>
-          </a:xfrm>
-          <a:prstGeom prst="rect">
-            <a:avLst/>
-          </a:prstGeom>
-        </p:spPr>
-      </p:pic>
-      <p:pic>
-        <p:nvPicPr>
-          <p:cNvPr id="15" name="Imagem 14" descr="Gráfico&#10;&#10;Descrição gerada automaticamente">
-            <a:extLst>
-              <a:ext uri="{FF2B5EF4-FFF2-40B4-BE49-F238E27FC236}">
-                <a16:creationId xmlns:a16="http://schemas.microsoft.com/office/drawing/2014/main" id="{85928123-B042-0D21-9B21-6791EC309B9E}"/>
-              </a:ext>
-            </a:extLst>
-          </p:cNvPr>
-          <p:cNvPicPr>
-            <a:picLocks noChangeAspect="1"/>
-          </p:cNvPicPr>
-          <p:nvPr/>
-        </p:nvPicPr>
-        <p:blipFill rotWithShape="1">
-          <a:blip r:embed="rId5">
-            <a:extLst>
-              <a:ext uri="{28A0092B-C50C-407E-A947-70E740481C1C}">
-                <a14:useLocalDpi xmlns:a14="http://schemas.microsoft.com/office/drawing/2010/main" val="0"/>
-              </a:ext>
-            </a:extLst>
-          </a:blip>
-          <a:srcRect l="5819" r="684" b="-6"/>
-          <a:stretch/>
-        </p:blipFill>
-        <p:spPr>
-          <a:xfrm>
-            <a:off x="5223411" y="4934736"/>
-            <a:ext cx="1740669" cy="1545336"/>
-          </a:xfrm>
-          <a:prstGeom prst="rect">
-            <a:avLst/>
-          </a:prstGeom>
-        </p:spPr>
-      </p:pic>
-      <p:cxnSp>
-        <p:nvCxnSpPr>
-          <p:cNvPr id="42" name="Straight Connector 41">
-            <a:extLst>
-              <a:ext uri="{FF2B5EF4-FFF2-40B4-BE49-F238E27FC236}">
-                <a16:creationId xmlns:a16="http://schemas.microsoft.com/office/drawing/2014/main" id="{DC034BB4-8B50-4484-85C4-0CE4699284D7}"/>
-              </a:ext>
-              <a:ext uri="{C183D7F6-B498-43B3-948B-1728B52AA6E4}">
-                <adec:decorative xmlns:adec="http://schemas.microsoft.com/office/drawing/2017/decorative" val="1"/>
-              </a:ext>
-            </a:extLst>
-          </p:cNvPr>
-          <p:cNvCxnSpPr>
-            <a:cxnSpLocks noGrp="1" noRot="1" noChangeAspect="1" noMove="1" noResize="1" noEditPoints="1" noAdjustHandles="1" noChangeArrowheads="1" noChangeShapeType="1"/>
-          </p:cNvCxnSpPr>
-          <p:nvPr>
-            <p:extLst>
-              <p:ext uri="{386F3935-93C4-4BCD-93E2-E3B085C9AB24}">
-                <p16:designElem xmlns:p16="http://schemas.microsoft.com/office/powerpoint/2015/main" val="1"/>
-              </p:ext>
-            </p:extLst>
-          </p:nvPr>
-        </p:nvCxnSpPr>
-        <p:spPr>
-          <a:xfrm>
-            <a:off x="7530662" y="0"/>
-            <a:ext cx="0" cy="6858000"/>
-          </a:xfrm>
-          <a:prstGeom prst="line">
-            <a:avLst/>
-          </a:prstGeom>
-          <a:ln w="38100" cap="sq">
-            <a:solidFill>
-              <a:schemeClr val="tx1">
-                <a:lumMod val="75000"/>
-                <a:lumOff val="25000"/>
-              </a:schemeClr>
-            </a:solidFill>
-          </a:ln>
-        </p:spPr>
-        <p:style>
-          <a:lnRef idx="1">
-            <a:schemeClr val="accent1"/>
-          </a:lnRef>
-          <a:fillRef idx="0">
-            <a:schemeClr val="accent1"/>
-          </a:fillRef>
-          <a:effectRef idx="0">
-            <a:schemeClr val="accent1"/>
-          </a:effectRef>
-          <a:fontRef idx="minor">
-            <a:schemeClr val="tx1"/>
-          </a:fontRef>
-        </p:style>
-      </p:cxnSp>
-      <p:cxnSp>
-        <p:nvCxnSpPr>
-          <p:cNvPr id="44" name="Straight Connector 43">
-            <a:extLst>
-              <a:ext uri="{FF2B5EF4-FFF2-40B4-BE49-F238E27FC236}">
-                <a16:creationId xmlns:a16="http://schemas.microsoft.com/office/drawing/2014/main" id="{81B200F7-B57A-4824-BB91-B6624450A5AC}"/>
-              </a:ext>
-              <a:ext uri="{C183D7F6-B498-43B3-948B-1728B52AA6E4}">
-                <adec:decorative xmlns:adec="http://schemas.microsoft.com/office/drawing/2017/decorative" val="1"/>
-              </a:ext>
-            </a:extLst>
-          </p:cNvPr>
-          <p:cNvCxnSpPr>
-            <a:cxnSpLocks noGrp="1" noRot="1" noChangeAspect="1" noMove="1" noResize="1" noEditPoints="1" noAdjustHandles="1" noChangeArrowheads="1" noChangeShapeType="1"/>
-          </p:cNvCxnSpPr>
-          <p:nvPr>
-            <p:extLst>
-              <p:ext uri="{386F3935-93C4-4BCD-93E2-E3B085C9AB24}">
-                <p16:designElem xmlns:p16="http://schemas.microsoft.com/office/powerpoint/2015/main" val="1"/>
-              </p:ext>
-            </p:extLst>
-          </p:nvPr>
-        </p:nvCxnSpPr>
-        <p:spPr>
-          <a:xfrm>
-            <a:off x="4653627" y="2228770"/>
-            <a:ext cx="2877035" cy="0"/>
-          </a:xfrm>
-          <a:prstGeom prst="line">
-            <a:avLst/>
-          </a:prstGeom>
-          <a:ln w="38100">
-            <a:solidFill>
-              <a:schemeClr val="tx1">
-                <a:lumMod val="75000"/>
-                <a:lumOff val="25000"/>
-              </a:schemeClr>
-            </a:solidFill>
-          </a:ln>
-        </p:spPr>
-        <p:style>
-          <a:lnRef idx="1">
-            <a:schemeClr val="accent1"/>
-          </a:lnRef>
-          <a:fillRef idx="0">
-            <a:schemeClr val="accent1"/>
-          </a:fillRef>
-          <a:effectRef idx="0">
-            <a:schemeClr val="accent1"/>
-          </a:effectRef>
-          <a:fontRef idx="minor">
-            <a:schemeClr val="tx1"/>
-          </a:fontRef>
-        </p:style>
-      </p:cxnSp>
-      <p:cxnSp>
-        <p:nvCxnSpPr>
-          <p:cNvPr id="46" name="Straight Connector 45">
-            <a:extLst>
-              <a:ext uri="{FF2B5EF4-FFF2-40B4-BE49-F238E27FC236}">
-                <a16:creationId xmlns:a16="http://schemas.microsoft.com/office/drawing/2014/main" id="{1902062F-7F47-41E5-8574-2D1492D58ED3}"/>
-              </a:ext>
-              <a:ext uri="{C183D7F6-B498-43B3-948B-1728B52AA6E4}">
-                <adec:decorative xmlns:adec="http://schemas.microsoft.com/office/drawing/2017/decorative" val="1"/>
-              </a:ext>
-            </a:extLst>
-          </p:cNvPr>
-          <p:cNvCxnSpPr>
-            <a:cxnSpLocks noGrp="1" noRot="1" noChangeAspect="1" noMove="1" noResize="1" noEditPoints="1" noAdjustHandles="1" noChangeArrowheads="1" noChangeShapeType="1"/>
-          </p:cNvCxnSpPr>
-          <p:nvPr>
-            <p:extLst>
-              <p:ext uri="{386F3935-93C4-4BCD-93E2-E3B085C9AB24}">
-                <p16:designElem xmlns:p16="http://schemas.microsoft.com/office/powerpoint/2015/main" val="1"/>
-              </p:ext>
-            </p:extLst>
-          </p:nvPr>
-        </p:nvCxnSpPr>
-        <p:spPr>
-          <a:xfrm>
-            <a:off x="7530661" y="3429000"/>
-            <a:ext cx="4663440" cy="0"/>
-          </a:xfrm>
-          <a:prstGeom prst="line">
-            <a:avLst/>
-          </a:prstGeom>
-          <a:ln w="38100">
-            <a:solidFill>
-              <a:schemeClr val="tx1">
-                <a:lumMod val="75000"/>
-                <a:lumOff val="25000"/>
-              </a:schemeClr>
-            </a:solidFill>
-          </a:ln>
-        </p:spPr>
-        <p:style>
-          <a:lnRef idx="1">
-            <a:schemeClr val="accent1"/>
-          </a:lnRef>
-          <a:fillRef idx="0">
-            <a:schemeClr val="accent1"/>
-          </a:fillRef>
-          <a:effectRef idx="0">
-            <a:schemeClr val="accent1"/>
-          </a:effectRef>
-          <a:fontRef idx="minor">
-            <a:schemeClr val="tx1"/>
-          </a:fontRef>
-        </p:style>
-      </p:cxnSp>
-      <p:cxnSp>
-        <p:nvCxnSpPr>
-          <p:cNvPr id="48" name="Straight Connector 47">
-            <a:extLst>
-              <a:ext uri="{FF2B5EF4-FFF2-40B4-BE49-F238E27FC236}">
-                <a16:creationId xmlns:a16="http://schemas.microsoft.com/office/drawing/2014/main" id="{FA92245C-961F-47D5-9691-272D28692D45}"/>
-              </a:ext>
-              <a:ext uri="{C183D7F6-B498-43B3-948B-1728B52AA6E4}">
-                <adec:decorative xmlns:adec="http://schemas.microsoft.com/office/drawing/2017/decorative" val="1"/>
-              </a:ext>
-            </a:extLst>
-          </p:cNvPr>
-          <p:cNvCxnSpPr>
-            <a:cxnSpLocks noGrp="1" noRot="1" noChangeAspect="1" noMove="1" noResize="1" noEditPoints="1" noAdjustHandles="1" noChangeArrowheads="1" noChangeShapeType="1"/>
-          </p:cNvCxnSpPr>
-          <p:nvPr>
-            <p:extLst>
-              <p:ext uri="{386F3935-93C4-4BCD-93E2-E3B085C9AB24}">
-                <p16:designElem xmlns:p16="http://schemas.microsoft.com/office/powerpoint/2015/main" val="1"/>
-              </p:ext>
-            </p:extLst>
-          </p:nvPr>
-        </p:nvCxnSpPr>
-        <p:spPr>
-          <a:xfrm>
-            <a:off x="4653627" y="4568202"/>
-            <a:ext cx="2877035" cy="0"/>
-          </a:xfrm>
-          <a:prstGeom prst="line">
-            <a:avLst/>
-          </a:prstGeom>
-          <a:ln w="38100">
-            <a:solidFill>
-              <a:schemeClr val="tx1">
-                <a:lumMod val="75000"/>
-                <a:lumOff val="25000"/>
-              </a:schemeClr>
-            </a:solidFill>
-          </a:ln>
-        </p:spPr>
-        <p:style>
-          <a:lnRef idx="1">
-            <a:schemeClr val="accent1"/>
-          </a:lnRef>
-          <a:fillRef idx="0">
-            <a:schemeClr val="accent1"/>
-          </a:fillRef>
-          <a:effectRef idx="0">
-            <a:schemeClr val="accent1"/>
-          </a:effectRef>
-          <a:fontRef idx="minor">
-            <a:schemeClr val="tx1"/>
-          </a:fontRef>
-        </p:style>
-      </p:cxnSp>
-      <p:pic>
-        <p:nvPicPr>
-          <p:cNvPr id="19" name="Imagem 18" descr="Gráfico, Histograma&#10;&#10;Descrição gerada automaticamente">
-            <a:extLst>
-              <a:ext uri="{FF2B5EF4-FFF2-40B4-BE49-F238E27FC236}">
-                <a16:creationId xmlns:a16="http://schemas.microsoft.com/office/drawing/2014/main" id="{557BF8E7-6877-840C-FFB8-55CE8978DEB5}"/>
-              </a:ext>
-            </a:extLst>
-          </p:cNvPr>
-          <p:cNvPicPr>
-            <a:picLocks noChangeAspect="1"/>
-          </p:cNvPicPr>
-          <p:nvPr/>
-        </p:nvPicPr>
-        <p:blipFill rotWithShape="1">
-          <a:blip r:embed="rId6">
-            <a:extLst>
-              <a:ext uri="{28A0092B-C50C-407E-A947-70E740481C1C}">
-                <a14:useLocalDpi xmlns:a14="http://schemas.microsoft.com/office/drawing/2010/main" val="0"/>
-              </a:ext>
-            </a:extLst>
-          </a:blip>
-          <a:srcRect r="14520" b="2"/>
-          <a:stretch/>
-        </p:blipFill>
-        <p:spPr>
-          <a:xfrm>
-            <a:off x="7879080" y="4219121"/>
-            <a:ext cx="3996972" cy="1765122"/>
-          </a:xfrm>
-          <a:prstGeom prst="rect">
-            <a:avLst/>
-          </a:prstGeom>
+          <a:effectLst>
+            <a:outerShdw blurRad="508000" dist="101600" dir="5400000" algn="tl" rotWithShape="0">
+              <a:prstClr val="black">
+                <a:alpha val="10000"/>
+              </a:prstClr>
+            </a:outerShdw>
+          </a:effectLst>
         </p:spPr>
       </p:pic>
     </p:spTree>
     <p:extLst>
       <p:ext uri="{BB962C8B-B14F-4D97-AF65-F5344CB8AC3E}">
-        <p14:creationId xmlns:p14="http://schemas.microsoft.com/office/powerpoint/2010/main" val="3381416471"/>
+        <p14:creationId xmlns:p14="http://schemas.microsoft.com/office/powerpoint/2010/main" val="2825946419"/>
       </p:ext>
     </p:extLst>
   </p:cSld>
   <p:clrMapOvr>
-    <a:overrideClrMapping bg1="lt1" tx1="dk1" bg2="lt2" tx2="dk2" accent1="accent1" accent2="accent2" accent3="accent3" accent4="accent4" accent5="accent5" accent6="accent6" hlink="hlink" folHlink="folHlink"/>
+    <a:masterClrMapping/>
   </p:clrMapOvr>
 </p:sld>
 </file>
@@ -8378,6 +8367,514 @@
           <a:chExt cx="0" cy="0"/>
         </a:xfrm>
       </p:grpSpPr>
+      <p:sp>
+        <p:nvSpPr>
+          <p:cNvPr id="2" name="Título 1">
+            <a:extLst>
+              <a:ext uri="{FF2B5EF4-FFF2-40B4-BE49-F238E27FC236}">
+                <a16:creationId xmlns:a16="http://schemas.microsoft.com/office/drawing/2014/main" id="{F95522F4-D2F2-E5A4-4E40-0129088CE671}"/>
+              </a:ext>
+            </a:extLst>
+          </p:cNvPr>
+          <p:cNvSpPr>
+            <a:spLocks noGrp="1"/>
+          </p:cNvSpPr>
+          <p:nvPr>
+            <p:ph type="title"/>
+          </p:nvPr>
+        </p:nvSpPr>
+        <p:spPr>
+          <a:xfrm>
+            <a:off x="833120" y="1122363"/>
+            <a:ext cx="3200400" cy="2387600"/>
+          </a:xfrm>
+        </p:spPr>
+        <p:txBody>
+          <a:bodyPr vert="horz" lIns="91440" tIns="45720" rIns="91440" bIns="45720" rtlCol="0" anchor="b">
+            <a:normAutofit/>
+          </a:bodyPr>
+          <a:lstStyle/>
+          <a:p>
+            <a:r>
+              <a:rPr lang="en-US" kern="1200" dirty="0" err="1">
+                <a:solidFill>
+                  <a:schemeClr val="tx1"/>
+                </a:solidFill>
+                <a:latin typeface="+mj-lt"/>
+                <a:ea typeface="+mj-ea"/>
+                <a:cs typeface="+mj-cs"/>
+              </a:rPr>
+              <a:t>Verificação</a:t>
+            </a:r>
+            <a:r>
+              <a:rPr lang="en-US" kern="1200" dirty="0">
+                <a:solidFill>
+                  <a:schemeClr val="tx1"/>
+                </a:solidFill>
+                <a:latin typeface="+mj-lt"/>
+                <a:ea typeface="+mj-ea"/>
+                <a:cs typeface="+mj-cs"/>
+              </a:rPr>
+              <a:t> de </a:t>
+            </a:r>
+            <a:r>
+              <a:rPr lang="en-US" kern="1200" dirty="0" err="1">
+                <a:solidFill>
+                  <a:schemeClr val="tx1"/>
+                </a:solidFill>
+                <a:latin typeface="+mj-lt"/>
+                <a:ea typeface="+mj-ea"/>
+                <a:cs typeface="+mj-cs"/>
+              </a:rPr>
+              <a:t>Qualidade</a:t>
+            </a:r>
+            <a:r>
+              <a:rPr lang="en-US" kern="1200" dirty="0">
+                <a:solidFill>
+                  <a:schemeClr val="tx1"/>
+                </a:solidFill>
+                <a:latin typeface="+mj-lt"/>
+                <a:ea typeface="+mj-ea"/>
+                <a:cs typeface="+mj-cs"/>
+              </a:rPr>
+              <a:t> dos Dados</a:t>
+            </a:r>
+          </a:p>
+        </p:txBody>
+      </p:sp>
+      <p:pic>
+        <p:nvPicPr>
+          <p:cNvPr id="9" name="Espaço Reservado para Conteúdo 8" descr="Gráfico, Gráfico de caixa estreita&#10;&#10;Descrição gerada automaticamente com confiança média">
+            <a:extLst>
+              <a:ext uri="{FF2B5EF4-FFF2-40B4-BE49-F238E27FC236}">
+                <a16:creationId xmlns:a16="http://schemas.microsoft.com/office/drawing/2014/main" id="{DD992C0B-C217-569D-2E29-E947E4B8F986}"/>
+              </a:ext>
+            </a:extLst>
+          </p:cNvPr>
+          <p:cNvPicPr>
+            <a:picLocks noChangeAspect="1"/>
+          </p:cNvPicPr>
+          <p:nvPr/>
+        </p:nvPicPr>
+        <p:blipFill rotWithShape="1">
+          <a:blip r:embed="rId2">
+            <a:extLst>
+              <a:ext uri="{28A0092B-C50C-407E-A947-70E740481C1C}">
+                <a14:useLocalDpi xmlns:a14="http://schemas.microsoft.com/office/drawing/2010/main" val="0"/>
+              </a:ext>
+            </a:extLst>
+          </a:blip>
+          <a:srcRect l="3253" r="21017" b="2"/>
+          <a:stretch/>
+        </p:blipFill>
+        <p:spPr>
+          <a:xfrm>
+            <a:off x="5211469" y="321733"/>
+            <a:ext cx="1720962" cy="1539586"/>
+          </a:xfrm>
+          <a:prstGeom prst="rect">
+            <a:avLst/>
+          </a:prstGeom>
+        </p:spPr>
+      </p:pic>
+      <p:pic>
+        <p:nvPicPr>
+          <p:cNvPr id="11" name="Imagem 10" descr="Gráfico&#10;&#10;Descrição gerada automaticamente">
+            <a:extLst>
+              <a:ext uri="{FF2B5EF4-FFF2-40B4-BE49-F238E27FC236}">
+                <a16:creationId xmlns:a16="http://schemas.microsoft.com/office/drawing/2014/main" id="{752A7154-EC2F-19AE-F80D-19DDA1D90A09}"/>
+              </a:ext>
+            </a:extLst>
+          </p:cNvPr>
+          <p:cNvPicPr>
+            <a:picLocks noChangeAspect="1"/>
+          </p:cNvPicPr>
+          <p:nvPr/>
+        </p:nvPicPr>
+        <p:blipFill rotWithShape="1">
+          <a:blip r:embed="rId3">
+            <a:extLst>
+              <a:ext uri="{28A0092B-C50C-407E-A947-70E740481C1C}">
+                <a14:useLocalDpi xmlns:a14="http://schemas.microsoft.com/office/drawing/2010/main" val="0"/>
+              </a:ext>
+            </a:extLst>
+          </a:blip>
+          <a:srcRect r="8806" b="3"/>
+          <a:stretch/>
+        </p:blipFill>
+        <p:spPr>
+          <a:xfrm>
+            <a:off x="5215691" y="2622301"/>
+            <a:ext cx="1708799" cy="1545844"/>
+          </a:xfrm>
+          <a:prstGeom prst="rect">
+            <a:avLst/>
+          </a:prstGeom>
+        </p:spPr>
+      </p:pic>
+      <p:pic>
+        <p:nvPicPr>
+          <p:cNvPr id="13" name="Imagem 12" descr="Gráfico, Gráfico de caixa estreita&#10;&#10;Descrição gerada automaticamente">
+            <a:extLst>
+              <a:ext uri="{FF2B5EF4-FFF2-40B4-BE49-F238E27FC236}">
+                <a16:creationId xmlns:a16="http://schemas.microsoft.com/office/drawing/2014/main" id="{BD9A4D32-00E5-4455-1CA4-15EC61A88D19}"/>
+              </a:ext>
+            </a:extLst>
+          </p:cNvPr>
+          <p:cNvPicPr>
+            <a:picLocks noChangeAspect="1"/>
+          </p:cNvPicPr>
+          <p:nvPr/>
+        </p:nvPicPr>
+        <p:blipFill rotWithShape="1">
+          <a:blip r:embed="rId4">
+            <a:extLst>
+              <a:ext uri="{28A0092B-C50C-407E-A947-70E740481C1C}">
+                <a14:useLocalDpi xmlns:a14="http://schemas.microsoft.com/office/drawing/2010/main" val="0"/>
+              </a:ext>
+            </a:extLst>
+          </a:blip>
+          <a:srcRect l="15804" r="11134" b="-2"/>
+          <a:stretch/>
+        </p:blipFill>
+        <p:spPr>
+          <a:xfrm>
+            <a:off x="8411523" y="372291"/>
+            <a:ext cx="2932086" cy="2638698"/>
+          </a:xfrm>
+          <a:prstGeom prst="rect">
+            <a:avLst/>
+          </a:prstGeom>
+        </p:spPr>
+      </p:pic>
+      <p:pic>
+        <p:nvPicPr>
+          <p:cNvPr id="15" name="Imagem 14" descr="Gráfico&#10;&#10;Descrição gerada automaticamente">
+            <a:extLst>
+              <a:ext uri="{FF2B5EF4-FFF2-40B4-BE49-F238E27FC236}">
+                <a16:creationId xmlns:a16="http://schemas.microsoft.com/office/drawing/2014/main" id="{85928123-B042-0D21-9B21-6791EC309B9E}"/>
+              </a:ext>
+            </a:extLst>
+          </p:cNvPr>
+          <p:cNvPicPr>
+            <a:picLocks noChangeAspect="1"/>
+          </p:cNvPicPr>
+          <p:nvPr/>
+        </p:nvPicPr>
+        <p:blipFill rotWithShape="1">
+          <a:blip r:embed="rId5">
+            <a:extLst>
+              <a:ext uri="{28A0092B-C50C-407E-A947-70E740481C1C}">
+                <a14:useLocalDpi xmlns:a14="http://schemas.microsoft.com/office/drawing/2010/main" val="0"/>
+              </a:ext>
+            </a:extLst>
+          </a:blip>
+          <a:srcRect l="5819" r="684" b="-6"/>
+          <a:stretch/>
+        </p:blipFill>
+        <p:spPr>
+          <a:xfrm>
+            <a:off x="5223411" y="4934736"/>
+            <a:ext cx="1740669" cy="1545336"/>
+          </a:xfrm>
+          <a:prstGeom prst="rect">
+            <a:avLst/>
+          </a:prstGeom>
+        </p:spPr>
+      </p:pic>
+      <p:cxnSp>
+        <p:nvCxnSpPr>
+          <p:cNvPr id="42" name="Straight Connector 41">
+            <a:extLst>
+              <a:ext uri="{FF2B5EF4-FFF2-40B4-BE49-F238E27FC236}">
+                <a16:creationId xmlns:a16="http://schemas.microsoft.com/office/drawing/2014/main" id="{DC034BB4-8B50-4484-85C4-0CE4699284D7}"/>
+              </a:ext>
+              <a:ext uri="{C183D7F6-B498-43B3-948B-1728B52AA6E4}">
+                <adec:decorative xmlns:adec="http://schemas.microsoft.com/office/drawing/2017/decorative" val="1"/>
+              </a:ext>
+            </a:extLst>
+          </p:cNvPr>
+          <p:cNvCxnSpPr>
+            <a:cxnSpLocks noGrp="1" noRot="1" noChangeAspect="1" noMove="1" noResize="1" noEditPoints="1" noAdjustHandles="1" noChangeArrowheads="1" noChangeShapeType="1"/>
+          </p:cNvCxnSpPr>
+          <p:nvPr>
+            <p:extLst>
+              <p:ext uri="{386F3935-93C4-4BCD-93E2-E3B085C9AB24}">
+                <p16:designElem xmlns:p16="http://schemas.microsoft.com/office/powerpoint/2015/main" val="1"/>
+              </p:ext>
+            </p:extLst>
+          </p:nvPr>
+        </p:nvCxnSpPr>
+        <p:spPr>
+          <a:xfrm>
+            <a:off x="7530662" y="0"/>
+            <a:ext cx="0" cy="6858000"/>
+          </a:xfrm>
+          <a:prstGeom prst="line">
+            <a:avLst/>
+          </a:prstGeom>
+          <a:ln w="38100" cap="sq">
+            <a:solidFill>
+              <a:schemeClr val="tx1">
+                <a:lumMod val="75000"/>
+                <a:lumOff val="25000"/>
+              </a:schemeClr>
+            </a:solidFill>
+          </a:ln>
+        </p:spPr>
+        <p:style>
+          <a:lnRef idx="1">
+            <a:schemeClr val="accent1"/>
+          </a:lnRef>
+          <a:fillRef idx="0">
+            <a:schemeClr val="accent1"/>
+          </a:fillRef>
+          <a:effectRef idx="0">
+            <a:schemeClr val="accent1"/>
+          </a:effectRef>
+          <a:fontRef idx="minor">
+            <a:schemeClr val="tx1"/>
+          </a:fontRef>
+        </p:style>
+      </p:cxnSp>
+      <p:cxnSp>
+        <p:nvCxnSpPr>
+          <p:cNvPr id="44" name="Straight Connector 43">
+            <a:extLst>
+              <a:ext uri="{FF2B5EF4-FFF2-40B4-BE49-F238E27FC236}">
+                <a16:creationId xmlns:a16="http://schemas.microsoft.com/office/drawing/2014/main" id="{81B200F7-B57A-4824-BB91-B6624450A5AC}"/>
+              </a:ext>
+              <a:ext uri="{C183D7F6-B498-43B3-948B-1728B52AA6E4}">
+                <adec:decorative xmlns:adec="http://schemas.microsoft.com/office/drawing/2017/decorative" val="1"/>
+              </a:ext>
+            </a:extLst>
+          </p:cNvPr>
+          <p:cNvCxnSpPr>
+            <a:cxnSpLocks noGrp="1" noRot="1" noChangeAspect="1" noMove="1" noResize="1" noEditPoints="1" noAdjustHandles="1" noChangeArrowheads="1" noChangeShapeType="1"/>
+          </p:cNvCxnSpPr>
+          <p:nvPr>
+            <p:extLst>
+              <p:ext uri="{386F3935-93C4-4BCD-93E2-E3B085C9AB24}">
+                <p16:designElem xmlns:p16="http://schemas.microsoft.com/office/powerpoint/2015/main" val="1"/>
+              </p:ext>
+            </p:extLst>
+          </p:nvPr>
+        </p:nvCxnSpPr>
+        <p:spPr>
+          <a:xfrm>
+            <a:off x="4653627" y="2228770"/>
+            <a:ext cx="2877035" cy="0"/>
+          </a:xfrm>
+          <a:prstGeom prst="line">
+            <a:avLst/>
+          </a:prstGeom>
+          <a:ln w="38100">
+            <a:solidFill>
+              <a:schemeClr val="tx1">
+                <a:lumMod val="75000"/>
+                <a:lumOff val="25000"/>
+              </a:schemeClr>
+            </a:solidFill>
+          </a:ln>
+        </p:spPr>
+        <p:style>
+          <a:lnRef idx="1">
+            <a:schemeClr val="accent1"/>
+          </a:lnRef>
+          <a:fillRef idx="0">
+            <a:schemeClr val="accent1"/>
+          </a:fillRef>
+          <a:effectRef idx="0">
+            <a:schemeClr val="accent1"/>
+          </a:effectRef>
+          <a:fontRef idx="minor">
+            <a:schemeClr val="tx1"/>
+          </a:fontRef>
+        </p:style>
+      </p:cxnSp>
+      <p:cxnSp>
+        <p:nvCxnSpPr>
+          <p:cNvPr id="46" name="Straight Connector 45">
+            <a:extLst>
+              <a:ext uri="{FF2B5EF4-FFF2-40B4-BE49-F238E27FC236}">
+                <a16:creationId xmlns:a16="http://schemas.microsoft.com/office/drawing/2014/main" id="{1902062F-7F47-41E5-8574-2D1492D58ED3}"/>
+              </a:ext>
+              <a:ext uri="{C183D7F6-B498-43B3-948B-1728B52AA6E4}">
+                <adec:decorative xmlns:adec="http://schemas.microsoft.com/office/drawing/2017/decorative" val="1"/>
+              </a:ext>
+            </a:extLst>
+          </p:cNvPr>
+          <p:cNvCxnSpPr>
+            <a:cxnSpLocks noGrp="1" noRot="1" noChangeAspect="1" noMove="1" noResize="1" noEditPoints="1" noAdjustHandles="1" noChangeArrowheads="1" noChangeShapeType="1"/>
+          </p:cNvCxnSpPr>
+          <p:nvPr>
+            <p:extLst>
+              <p:ext uri="{386F3935-93C4-4BCD-93E2-E3B085C9AB24}">
+                <p16:designElem xmlns:p16="http://schemas.microsoft.com/office/powerpoint/2015/main" val="1"/>
+              </p:ext>
+            </p:extLst>
+          </p:nvPr>
+        </p:nvCxnSpPr>
+        <p:spPr>
+          <a:xfrm>
+            <a:off x="7530661" y="3429000"/>
+            <a:ext cx="4663440" cy="0"/>
+          </a:xfrm>
+          <a:prstGeom prst="line">
+            <a:avLst/>
+          </a:prstGeom>
+          <a:ln w="38100">
+            <a:solidFill>
+              <a:schemeClr val="tx1">
+                <a:lumMod val="75000"/>
+                <a:lumOff val="25000"/>
+              </a:schemeClr>
+            </a:solidFill>
+          </a:ln>
+        </p:spPr>
+        <p:style>
+          <a:lnRef idx="1">
+            <a:schemeClr val="accent1"/>
+          </a:lnRef>
+          <a:fillRef idx="0">
+            <a:schemeClr val="accent1"/>
+          </a:fillRef>
+          <a:effectRef idx="0">
+            <a:schemeClr val="accent1"/>
+          </a:effectRef>
+          <a:fontRef idx="minor">
+            <a:schemeClr val="tx1"/>
+          </a:fontRef>
+        </p:style>
+      </p:cxnSp>
+      <p:cxnSp>
+        <p:nvCxnSpPr>
+          <p:cNvPr id="48" name="Straight Connector 47">
+            <a:extLst>
+              <a:ext uri="{FF2B5EF4-FFF2-40B4-BE49-F238E27FC236}">
+                <a16:creationId xmlns:a16="http://schemas.microsoft.com/office/drawing/2014/main" id="{FA92245C-961F-47D5-9691-272D28692D45}"/>
+              </a:ext>
+              <a:ext uri="{C183D7F6-B498-43B3-948B-1728B52AA6E4}">
+                <adec:decorative xmlns:adec="http://schemas.microsoft.com/office/drawing/2017/decorative" val="1"/>
+              </a:ext>
+            </a:extLst>
+          </p:cNvPr>
+          <p:cNvCxnSpPr>
+            <a:cxnSpLocks noGrp="1" noRot="1" noChangeAspect="1" noMove="1" noResize="1" noEditPoints="1" noAdjustHandles="1" noChangeArrowheads="1" noChangeShapeType="1"/>
+          </p:cNvCxnSpPr>
+          <p:nvPr>
+            <p:extLst>
+              <p:ext uri="{386F3935-93C4-4BCD-93E2-E3B085C9AB24}">
+                <p16:designElem xmlns:p16="http://schemas.microsoft.com/office/powerpoint/2015/main" val="1"/>
+              </p:ext>
+            </p:extLst>
+          </p:nvPr>
+        </p:nvCxnSpPr>
+        <p:spPr>
+          <a:xfrm>
+            <a:off x="4653627" y="4568202"/>
+            <a:ext cx="2877035" cy="0"/>
+          </a:xfrm>
+          <a:prstGeom prst="line">
+            <a:avLst/>
+          </a:prstGeom>
+          <a:ln w="38100">
+            <a:solidFill>
+              <a:schemeClr val="tx1">
+                <a:lumMod val="75000"/>
+                <a:lumOff val="25000"/>
+              </a:schemeClr>
+            </a:solidFill>
+          </a:ln>
+        </p:spPr>
+        <p:style>
+          <a:lnRef idx="1">
+            <a:schemeClr val="accent1"/>
+          </a:lnRef>
+          <a:fillRef idx="0">
+            <a:schemeClr val="accent1"/>
+          </a:fillRef>
+          <a:effectRef idx="0">
+            <a:schemeClr val="accent1"/>
+          </a:effectRef>
+          <a:fontRef idx="minor">
+            <a:schemeClr val="tx1"/>
+          </a:fontRef>
+        </p:style>
+      </p:cxnSp>
+      <p:pic>
+        <p:nvPicPr>
+          <p:cNvPr id="19" name="Imagem 18" descr="Gráfico, Histograma&#10;&#10;Descrição gerada automaticamente">
+            <a:extLst>
+              <a:ext uri="{FF2B5EF4-FFF2-40B4-BE49-F238E27FC236}">
+                <a16:creationId xmlns:a16="http://schemas.microsoft.com/office/drawing/2014/main" id="{557BF8E7-6877-840C-FFB8-55CE8978DEB5}"/>
+              </a:ext>
+            </a:extLst>
+          </p:cNvPr>
+          <p:cNvPicPr>
+            <a:picLocks noChangeAspect="1"/>
+          </p:cNvPicPr>
+          <p:nvPr/>
+        </p:nvPicPr>
+        <p:blipFill rotWithShape="1">
+          <a:blip r:embed="rId6">
+            <a:extLst>
+              <a:ext uri="{28A0092B-C50C-407E-A947-70E740481C1C}">
+                <a14:useLocalDpi xmlns:a14="http://schemas.microsoft.com/office/drawing/2010/main" val="0"/>
+              </a:ext>
+            </a:extLst>
+          </a:blip>
+          <a:srcRect r="14520" b="2"/>
+          <a:stretch/>
+        </p:blipFill>
+        <p:spPr>
+          <a:xfrm>
+            <a:off x="7879080" y="4219121"/>
+            <a:ext cx="3996972" cy="1765122"/>
+          </a:xfrm>
+          <a:prstGeom prst="rect">
+            <a:avLst/>
+          </a:prstGeom>
+        </p:spPr>
+      </p:pic>
+    </p:spTree>
+    <p:extLst>
+      <p:ext uri="{BB962C8B-B14F-4D97-AF65-F5344CB8AC3E}">
+        <p14:creationId xmlns:p14="http://schemas.microsoft.com/office/powerpoint/2010/main" val="3381416471"/>
+      </p:ext>
+    </p:extLst>
+  </p:cSld>
+  <p:clrMapOvr>
+    <a:overrideClrMapping bg1="lt1" tx1="dk1" bg2="lt2" tx2="dk2" accent1="accent1" accent2="accent2" accent3="accent3" accent4="accent4" accent5="accent5" accent6="accent6" hlink="hlink" folHlink="folHlink"/>
+  </p:clrMapOvr>
+</p:sld>
+</file>
+
+<file path=ppt/slides/slide19.xml><?xml version="1.0" encoding="utf-8"?>
+<p:sld xmlns:a="http://schemas.openxmlformats.org/drawingml/2006/main" xmlns:r="http://schemas.openxmlformats.org/officeDocument/2006/relationships" xmlns:p="http://schemas.openxmlformats.org/presentationml/2006/main">
+  <p:cSld>
+    <p:bg>
+      <p:bgPr>
+        <a:solidFill>
+          <a:schemeClr val="bg1"/>
+        </a:solidFill>
+        <a:effectLst/>
+      </p:bgPr>
+    </p:bg>
+    <p:spTree>
+      <p:nvGrpSpPr>
+        <p:cNvPr id="1" name=""/>
+        <p:cNvGrpSpPr/>
+        <p:nvPr/>
+      </p:nvGrpSpPr>
+      <p:grpSpPr>
+        <a:xfrm>
+          <a:off x="0" y="0"/>
+          <a:ext cx="0" cy="0"/>
+          <a:chOff x="0" y="0"/>
+          <a:chExt cx="0" cy="0"/>
+        </a:xfrm>
+      </p:grpSpPr>
       <p:sp useBgFill="1">
         <p:nvSpPr>
           <p:cNvPr id="8" name="Rectangle 7">
@@ -8844,7 +9341,514 @@
 </p:sld>
 </file>
 
-<file path=ppt/slides/slide19.xml><?xml version="1.0" encoding="utf-8"?>
+<file path=ppt/slides/slide2.xml><?xml version="1.0" encoding="utf-8"?>
+<p:sld xmlns:a="http://schemas.openxmlformats.org/drawingml/2006/main" xmlns:r="http://schemas.openxmlformats.org/officeDocument/2006/relationships" xmlns:p="http://schemas.openxmlformats.org/presentationml/2006/main">
+  <p:cSld>
+    <p:bg>
+      <p:bgPr>
+        <a:solidFill>
+          <a:schemeClr val="bg1"/>
+        </a:solidFill>
+        <a:effectLst/>
+      </p:bgPr>
+    </p:bg>
+    <p:spTree>
+      <p:nvGrpSpPr>
+        <p:cNvPr id="1" name=""/>
+        <p:cNvGrpSpPr/>
+        <p:nvPr/>
+      </p:nvGrpSpPr>
+      <p:grpSpPr>
+        <a:xfrm>
+          <a:off x="0" y="0"/>
+          <a:ext cx="0" cy="0"/>
+          <a:chOff x="0" y="0"/>
+          <a:chExt cx="0" cy="0"/>
+        </a:xfrm>
+      </p:grpSpPr>
+      <p:sp useBgFill="1">
+        <p:nvSpPr>
+          <p:cNvPr id="25" name="Rectangle 24">
+            <a:extLst>
+              <a:ext uri="{FF2B5EF4-FFF2-40B4-BE49-F238E27FC236}">
+                <a16:creationId xmlns:a16="http://schemas.microsoft.com/office/drawing/2014/main" id="{1B15ED52-F352-441B-82BF-E0EA34836D08}"/>
+              </a:ext>
+              <a:ext uri="{C183D7F6-B498-43B3-948B-1728B52AA6E4}">
+                <adec:decorative xmlns:adec="http://schemas.microsoft.com/office/drawing/2017/decorative" val="1"/>
+              </a:ext>
+            </a:extLst>
+          </p:cNvPr>
+          <p:cNvSpPr>
+            <a:spLocks noGrp="1" noRot="1" noChangeAspect="1" noMove="1" noResize="1" noEditPoints="1" noAdjustHandles="1" noChangeArrowheads="1" noChangeShapeType="1" noTextEdit="1"/>
+          </p:cNvSpPr>
+          <p:nvPr>
+            <p:extLst>
+              <p:ext uri="{386F3935-93C4-4BCD-93E2-E3B085C9AB24}">
+                <p16:designElem xmlns:p16="http://schemas.microsoft.com/office/powerpoint/2015/main" val="1"/>
+              </p:ext>
+            </p:extLst>
+          </p:nvPr>
+        </p:nvSpPr>
+        <p:spPr>
+          <a:xfrm>
+            <a:off x="0" y="0"/>
+            <a:ext cx="12192000" cy="6858000"/>
+          </a:xfrm>
+          <a:prstGeom prst="rect">
+            <a:avLst/>
+          </a:prstGeom>
+          <a:ln w="12700" cap="flat" cmpd="sng" algn="ctr">
+            <a:noFill/>
+            <a:prstDash val="solid"/>
+            <a:miter lim="800000"/>
+          </a:ln>
+          <a:effectLst/>
+          <a:extLst>
+            <a:ext uri="{91240B29-F687-4F45-9708-019B960494DF}">
+              <a14:hiddenLine xmlns:a14="http://schemas.microsoft.com/office/drawing/2010/main" w="12700" cap="flat" cmpd="sng" algn="ctr">
+                <a:solidFill>
+                  <a:schemeClr val="accent1">
+                    <a:shade val="50000"/>
+                  </a:schemeClr>
+                </a:solidFill>
+                <a:prstDash val="solid"/>
+                <a:miter lim="800000"/>
+              </a14:hiddenLine>
+            </a:ext>
+          </a:extLst>
+        </p:spPr>
+        <p:style>
+          <a:lnRef idx="2">
+            <a:schemeClr val="accent1">
+              <a:shade val="50000"/>
+            </a:schemeClr>
+          </a:lnRef>
+          <a:fillRef idx="1">
+            <a:schemeClr val="accent1"/>
+          </a:fillRef>
+          <a:effectRef idx="0">
+            <a:schemeClr val="accent1"/>
+          </a:effectRef>
+          <a:fontRef idx="minor">
+            <a:schemeClr val="lt1"/>
+          </a:fontRef>
+        </p:style>
+        <p:txBody>
+          <a:bodyPr rtlCol="0" anchor="ctr"/>
+          <a:lstStyle/>
+          <a:p>
+            <a:pPr algn="ctr"/>
+            <a:endParaRPr lang="en-US"/>
+          </a:p>
+        </p:txBody>
+      </p:sp>
+      <p:sp>
+        <p:nvSpPr>
+          <p:cNvPr id="27" name="Rectangle 26">
+            <a:extLst>
+              <a:ext uri="{FF2B5EF4-FFF2-40B4-BE49-F238E27FC236}">
+                <a16:creationId xmlns:a16="http://schemas.microsoft.com/office/drawing/2014/main" id="{3B2E3793-BFE6-45A2-9B7B-E18844431C99}"/>
+              </a:ext>
+              <a:ext uri="{C183D7F6-B498-43B3-948B-1728B52AA6E4}">
+                <adec:decorative xmlns:adec="http://schemas.microsoft.com/office/drawing/2017/decorative" val="1"/>
+              </a:ext>
+            </a:extLst>
+          </p:cNvPr>
+          <p:cNvSpPr>
+            <a:spLocks noGrp="1" noRot="1" noChangeAspect="1" noMove="1" noResize="1" noEditPoints="1" noAdjustHandles="1" noChangeArrowheads="1" noChangeShapeType="1" noTextEdit="1"/>
+          </p:cNvSpPr>
+          <p:nvPr>
+            <p:extLst>
+              <p:ext uri="{386F3935-93C4-4BCD-93E2-E3B085C9AB24}">
+                <p16:designElem xmlns:p16="http://schemas.microsoft.com/office/powerpoint/2015/main" val="1"/>
+              </p:ext>
+            </p:extLst>
+          </p:nvPr>
+        </p:nvSpPr>
+        <p:spPr>
+          <a:xfrm flipH="1">
+            <a:off x="-1" y="-1"/>
+            <a:ext cx="12191998" cy="1590742"/>
+          </a:xfrm>
+          <a:prstGeom prst="rect">
+            <a:avLst/>
+          </a:prstGeom>
+          <a:gradFill>
+            <a:gsLst>
+              <a:gs pos="0">
+                <a:srgbClr val="000000"/>
+              </a:gs>
+              <a:gs pos="100000">
+                <a:schemeClr val="accent1">
+                  <a:lumMod val="75000"/>
+                </a:schemeClr>
+              </a:gs>
+            </a:gsLst>
+            <a:lin ang="8400000" scaled="0"/>
+          </a:gradFill>
+          <a:ln>
+            <a:noFill/>
+          </a:ln>
+        </p:spPr>
+        <p:style>
+          <a:lnRef idx="2">
+            <a:schemeClr val="accent1">
+              <a:shade val="50000"/>
+            </a:schemeClr>
+          </a:lnRef>
+          <a:fillRef idx="1">
+            <a:schemeClr val="accent1"/>
+          </a:fillRef>
+          <a:effectRef idx="0">
+            <a:schemeClr val="accent1"/>
+          </a:effectRef>
+          <a:fontRef idx="minor">
+            <a:schemeClr val="lt1"/>
+          </a:fontRef>
+        </p:style>
+        <p:txBody>
+          <a:bodyPr rtlCol="0" anchor="ctr"/>
+          <a:lstStyle/>
+          <a:p>
+            <a:pPr algn="ctr"/>
+            <a:endParaRPr lang="en-US"/>
+          </a:p>
+        </p:txBody>
+      </p:sp>
+      <p:sp>
+        <p:nvSpPr>
+          <p:cNvPr id="29" name="Rectangle 28">
+            <a:extLst>
+              <a:ext uri="{FF2B5EF4-FFF2-40B4-BE49-F238E27FC236}">
+                <a16:creationId xmlns:a16="http://schemas.microsoft.com/office/drawing/2014/main" id="{BC4C4868-CB8F-4AF9-9CDB-8108F2C19B67}"/>
+              </a:ext>
+              <a:ext uri="{C183D7F6-B498-43B3-948B-1728B52AA6E4}">
+                <adec:decorative xmlns:adec="http://schemas.microsoft.com/office/drawing/2017/decorative" val="1"/>
+              </a:ext>
+            </a:extLst>
+          </p:cNvPr>
+          <p:cNvSpPr>
+            <a:spLocks noGrp="1" noRot="1" noChangeAspect="1" noMove="1" noResize="1" noEditPoints="1" noAdjustHandles="1" noChangeArrowheads="1" noChangeShapeType="1" noTextEdit="1"/>
+          </p:cNvSpPr>
+          <p:nvPr>
+            <p:extLst>
+              <p:ext uri="{386F3935-93C4-4BCD-93E2-E3B085C9AB24}">
+                <p16:designElem xmlns:p16="http://schemas.microsoft.com/office/powerpoint/2015/main" val="1"/>
+              </p:ext>
+            </p:extLst>
+          </p:nvPr>
+        </p:nvSpPr>
+        <p:spPr>
+          <a:xfrm rot="10800000" flipH="1">
+            <a:off x="-3" y="0"/>
+            <a:ext cx="8115306" cy="1590742"/>
+          </a:xfrm>
+          <a:prstGeom prst="rect">
+            <a:avLst/>
+          </a:prstGeom>
+          <a:gradFill>
+            <a:gsLst>
+              <a:gs pos="20000">
+                <a:schemeClr val="accent1">
+                  <a:alpha val="0"/>
+                </a:schemeClr>
+              </a:gs>
+              <a:gs pos="100000">
+                <a:schemeClr val="accent1">
+                  <a:lumMod val="50000"/>
+                  <a:alpha val="55000"/>
+                </a:schemeClr>
+              </a:gs>
+            </a:gsLst>
+            <a:lin ang="13800000" scaled="0"/>
+          </a:gradFill>
+          <a:ln>
+            <a:noFill/>
+          </a:ln>
+        </p:spPr>
+        <p:style>
+          <a:lnRef idx="2">
+            <a:schemeClr val="accent1">
+              <a:shade val="50000"/>
+            </a:schemeClr>
+          </a:lnRef>
+          <a:fillRef idx="1">
+            <a:schemeClr val="accent1"/>
+          </a:fillRef>
+          <a:effectRef idx="0">
+            <a:schemeClr val="accent1"/>
+          </a:effectRef>
+          <a:fontRef idx="minor">
+            <a:schemeClr val="lt1"/>
+          </a:fontRef>
+        </p:style>
+        <p:txBody>
+          <a:bodyPr rtlCol="0" anchor="ctr"/>
+          <a:lstStyle/>
+          <a:p>
+            <a:pPr algn="ctr"/>
+            <a:endParaRPr lang="en-US"/>
+          </a:p>
+        </p:txBody>
+      </p:sp>
+      <p:sp>
+        <p:nvSpPr>
+          <p:cNvPr id="31" name="Rectangle 30">
+            <a:extLst>
+              <a:ext uri="{FF2B5EF4-FFF2-40B4-BE49-F238E27FC236}">
+                <a16:creationId xmlns:a16="http://schemas.microsoft.com/office/drawing/2014/main" id="{375E0459-6403-40CD-989D-56A4407CA12E}"/>
+              </a:ext>
+              <a:ext uri="{C183D7F6-B498-43B3-948B-1728B52AA6E4}">
+                <adec:decorative xmlns:adec="http://schemas.microsoft.com/office/drawing/2017/decorative" val="1"/>
+              </a:ext>
+            </a:extLst>
+          </p:cNvPr>
+          <p:cNvSpPr>
+            <a:spLocks noGrp="1" noRot="1" noChangeAspect="1" noMove="1" noResize="1" noEditPoints="1" noAdjustHandles="1" noChangeArrowheads="1" noChangeShapeType="1" noTextEdit="1"/>
+          </p:cNvSpPr>
+          <p:nvPr>
+            <p:extLst>
+              <p:ext uri="{386F3935-93C4-4BCD-93E2-E3B085C9AB24}">
+                <p16:designElem xmlns:p16="http://schemas.microsoft.com/office/powerpoint/2015/main" val="1"/>
+              </p:ext>
+            </p:extLst>
+          </p:nvPr>
+        </p:nvSpPr>
+        <p:spPr>
+          <a:xfrm flipH="1">
+            <a:off x="8115299" y="-1"/>
+            <a:ext cx="4076698" cy="1590742"/>
+          </a:xfrm>
+          <a:prstGeom prst="rect">
+            <a:avLst/>
+          </a:prstGeom>
+          <a:gradFill>
+            <a:gsLst>
+              <a:gs pos="0">
+                <a:schemeClr val="accent1">
+                  <a:alpha val="66000"/>
+                </a:schemeClr>
+              </a:gs>
+              <a:gs pos="100000">
+                <a:srgbClr val="000000">
+                  <a:alpha val="30000"/>
+                </a:srgbClr>
+              </a:gs>
+            </a:gsLst>
+            <a:lin ang="13200000" scaled="0"/>
+          </a:gradFill>
+          <a:ln>
+            <a:noFill/>
+          </a:ln>
+        </p:spPr>
+        <p:style>
+          <a:lnRef idx="2">
+            <a:schemeClr val="accent1">
+              <a:shade val="50000"/>
+            </a:schemeClr>
+          </a:lnRef>
+          <a:fillRef idx="1">
+            <a:schemeClr val="accent1"/>
+          </a:fillRef>
+          <a:effectRef idx="0">
+            <a:schemeClr val="accent1"/>
+          </a:effectRef>
+          <a:fontRef idx="minor">
+            <a:schemeClr val="lt1"/>
+          </a:fontRef>
+        </p:style>
+        <p:txBody>
+          <a:bodyPr rtlCol="0" anchor="ctr"/>
+          <a:lstStyle/>
+          <a:p>
+            <a:pPr algn="ctr"/>
+            <a:endParaRPr lang="en-US"/>
+          </a:p>
+        </p:txBody>
+      </p:sp>
+      <p:sp>
+        <p:nvSpPr>
+          <p:cNvPr id="33" name="Rectangle 32">
+            <a:extLst>
+              <a:ext uri="{FF2B5EF4-FFF2-40B4-BE49-F238E27FC236}">
+                <a16:creationId xmlns:a16="http://schemas.microsoft.com/office/drawing/2014/main" id="{53E5B1A8-3AC9-4BD1-9BBC-78CA94F2D1BA}"/>
+              </a:ext>
+              <a:ext uri="{C183D7F6-B498-43B3-948B-1728B52AA6E4}">
+                <adec:decorative xmlns:adec="http://schemas.microsoft.com/office/drawing/2017/decorative" val="1"/>
+              </a:ext>
+            </a:extLst>
+          </p:cNvPr>
+          <p:cNvSpPr>
+            <a:spLocks noGrp="1" noRot="1" noChangeAspect="1" noMove="1" noResize="1" noEditPoints="1" noAdjustHandles="1" noChangeArrowheads="1" noChangeShapeType="1" noTextEdit="1"/>
+          </p:cNvSpPr>
+          <p:nvPr>
+            <p:extLst>
+              <p:ext uri="{386F3935-93C4-4BCD-93E2-E3B085C9AB24}">
+                <p16:designElem xmlns:p16="http://schemas.microsoft.com/office/powerpoint/2015/main" val="1"/>
+              </p:ext>
+            </p:extLst>
+          </p:nvPr>
+        </p:nvSpPr>
+        <p:spPr>
+          <a:xfrm>
+            <a:off x="459350" y="-1"/>
+            <a:ext cx="11732646" cy="1597433"/>
+          </a:xfrm>
+          <a:prstGeom prst="rect">
+            <a:avLst/>
+          </a:prstGeom>
+          <a:gradFill>
+            <a:gsLst>
+              <a:gs pos="50000">
+                <a:srgbClr val="000000">
+                  <a:alpha val="0"/>
+                </a:srgbClr>
+              </a:gs>
+              <a:gs pos="99000">
+                <a:schemeClr val="accent1">
+                  <a:lumMod val="50000"/>
+                  <a:alpha val="52000"/>
+                </a:schemeClr>
+              </a:gs>
+            </a:gsLst>
+            <a:lin ang="16800000" scaled="0"/>
+          </a:gradFill>
+          <a:ln>
+            <a:noFill/>
+          </a:ln>
+        </p:spPr>
+        <p:style>
+          <a:lnRef idx="2">
+            <a:schemeClr val="accent1">
+              <a:shade val="50000"/>
+            </a:schemeClr>
+          </a:lnRef>
+          <a:fillRef idx="1">
+            <a:schemeClr val="accent1"/>
+          </a:fillRef>
+          <a:effectRef idx="0">
+            <a:schemeClr val="accent1"/>
+          </a:effectRef>
+          <a:fontRef idx="minor">
+            <a:schemeClr val="lt1"/>
+          </a:fontRef>
+        </p:style>
+        <p:txBody>
+          <a:bodyPr rtlCol="0" anchor="ctr"/>
+          <a:lstStyle/>
+          <a:p>
+            <a:pPr algn="ctr"/>
+            <a:endParaRPr lang="en-US"/>
+          </a:p>
+        </p:txBody>
+      </p:sp>
+      <p:sp>
+        <p:nvSpPr>
+          <p:cNvPr id="2" name="Título 1">
+            <a:extLst>
+              <a:ext uri="{FF2B5EF4-FFF2-40B4-BE49-F238E27FC236}">
+                <a16:creationId xmlns:a16="http://schemas.microsoft.com/office/drawing/2014/main" id="{5BEFFBD3-06E5-46B3-2C02-E067719D5ABE}"/>
+              </a:ext>
+            </a:extLst>
+          </p:cNvPr>
+          <p:cNvSpPr>
+            <a:spLocks noGrp="1"/>
+          </p:cNvSpPr>
+          <p:nvPr>
+            <p:ph type="title"/>
+          </p:nvPr>
+        </p:nvSpPr>
+        <p:spPr>
+          <a:xfrm>
+            <a:off x="1371599" y="294538"/>
+            <a:ext cx="9895951" cy="1033669"/>
+          </a:xfrm>
+        </p:spPr>
+        <p:txBody>
+          <a:bodyPr>
+            <a:normAutofit/>
+          </a:bodyPr>
+          <a:lstStyle/>
+          <a:p>
+            <a:r>
+              <a:rPr lang="pt-BR" sz="4000">
+                <a:solidFill>
+                  <a:srgbClr val="FFFFFF"/>
+                </a:solidFill>
+              </a:rPr>
+              <a:t>Introdução</a:t>
+            </a:r>
+          </a:p>
+        </p:txBody>
+      </p:sp>
+      <p:sp>
+        <p:nvSpPr>
+          <p:cNvPr id="3" name="Espaço Reservado para Conteúdo 2">
+            <a:extLst>
+              <a:ext uri="{FF2B5EF4-FFF2-40B4-BE49-F238E27FC236}">
+                <a16:creationId xmlns:a16="http://schemas.microsoft.com/office/drawing/2014/main" id="{DF210704-862E-9AA4-D0B4-EBDC3B28828B}"/>
+              </a:ext>
+            </a:extLst>
+          </p:cNvPr>
+          <p:cNvSpPr>
+            <a:spLocks noGrp="1"/>
+          </p:cNvSpPr>
+          <p:nvPr>
+            <p:ph idx="1"/>
+          </p:nvPr>
+        </p:nvSpPr>
+        <p:spPr>
+          <a:xfrm>
+            <a:off x="1371599" y="2318197"/>
+            <a:ext cx="9724031" cy="3683358"/>
+          </a:xfrm>
+        </p:spPr>
+        <p:txBody>
+          <a:bodyPr anchor="ctr">
+            <a:normAutofit/>
+          </a:bodyPr>
+          <a:lstStyle/>
+          <a:p>
+            <a:pPr marL="0" indent="0">
+              <a:buNone/>
+            </a:pPr>
+            <a:r>
+              <a:rPr lang="pt-BR" sz="2000">
+                <a:effectLst/>
+                <a:latin typeface="Arial" panose="020B0604020202020204" pitchFamily="34" charset="0"/>
+              </a:rPr>
+              <a:t>Este projeto foi concebido como parte do curso de Projeto Integrador de Ciência de Dados e Inteligência Artificial III no IESB. O principal objetivo era desenvolver um sistema robusto para a coleta, tratamento e análise de dados de internações hospitalares do DATASUS entre 2019 e 2023.</a:t>
+            </a:r>
+          </a:p>
+          <a:p>
+            <a:pPr marL="0" indent="0">
+              <a:buNone/>
+            </a:pPr>
+            <a:r>
+              <a:rPr lang="pt-BR" sz="2000">
+                <a:effectLst/>
+                <a:latin typeface="Arial" panose="020B0604020202020204" pitchFamily="34" charset="0"/>
+              </a:rPr>
+              <a:t> Através deste projeto, busquei compreender melhor as tendências de saúde, os padrões de doenças e os resultados de tratamentos em diferentes regiões do Brasil, fornecendo assim, dados valiosos para decisões políticas e gestão de recursos no sistema de saúde.</a:t>
+            </a:r>
+            <a:endParaRPr lang="pt-BR" sz="2000"/>
+          </a:p>
+        </p:txBody>
+      </p:sp>
+    </p:spTree>
+    <p:extLst>
+      <p:ext uri="{BB962C8B-B14F-4D97-AF65-F5344CB8AC3E}">
+        <p14:creationId xmlns:p14="http://schemas.microsoft.com/office/powerpoint/2010/main" val="4108785681"/>
+      </p:ext>
+    </p:extLst>
+  </p:cSld>
+  <p:clrMapOvr>
+    <a:masterClrMapping/>
+  </p:clrMapOvr>
+</p:sld>
+</file>
+
+<file path=ppt/slides/slide20.xml><?xml version="1.0" encoding="utf-8"?>
 <p:sld xmlns:a="http://schemas.openxmlformats.org/drawingml/2006/main" xmlns:r="http://schemas.openxmlformats.org/officeDocument/2006/relationships" xmlns:p="http://schemas.openxmlformats.org/presentationml/2006/main">
   <p:cSld>
     <p:bg>
@@ -9501,513 +10505,6 @@
     <p:extLst>
       <p:ext uri="{BB962C8B-B14F-4D97-AF65-F5344CB8AC3E}">
         <p14:creationId xmlns:p14="http://schemas.microsoft.com/office/powerpoint/2010/main" val="2126990323"/>
-      </p:ext>
-    </p:extLst>
-  </p:cSld>
-  <p:clrMapOvr>
-    <a:masterClrMapping/>
-  </p:clrMapOvr>
-</p:sld>
-</file>
-
-<file path=ppt/slides/slide2.xml><?xml version="1.0" encoding="utf-8"?>
-<p:sld xmlns:a="http://schemas.openxmlformats.org/drawingml/2006/main" xmlns:r="http://schemas.openxmlformats.org/officeDocument/2006/relationships" xmlns:p="http://schemas.openxmlformats.org/presentationml/2006/main">
-  <p:cSld>
-    <p:bg>
-      <p:bgPr>
-        <a:solidFill>
-          <a:schemeClr val="bg1"/>
-        </a:solidFill>
-        <a:effectLst/>
-      </p:bgPr>
-    </p:bg>
-    <p:spTree>
-      <p:nvGrpSpPr>
-        <p:cNvPr id="1" name=""/>
-        <p:cNvGrpSpPr/>
-        <p:nvPr/>
-      </p:nvGrpSpPr>
-      <p:grpSpPr>
-        <a:xfrm>
-          <a:off x="0" y="0"/>
-          <a:ext cx="0" cy="0"/>
-          <a:chOff x="0" y="0"/>
-          <a:chExt cx="0" cy="0"/>
-        </a:xfrm>
-      </p:grpSpPr>
-      <p:sp useBgFill="1">
-        <p:nvSpPr>
-          <p:cNvPr id="25" name="Rectangle 24">
-            <a:extLst>
-              <a:ext uri="{FF2B5EF4-FFF2-40B4-BE49-F238E27FC236}">
-                <a16:creationId xmlns:a16="http://schemas.microsoft.com/office/drawing/2014/main" id="{1B15ED52-F352-441B-82BF-E0EA34836D08}"/>
-              </a:ext>
-              <a:ext uri="{C183D7F6-B498-43B3-948B-1728B52AA6E4}">
-                <adec:decorative xmlns:adec="http://schemas.microsoft.com/office/drawing/2017/decorative" val="1"/>
-              </a:ext>
-            </a:extLst>
-          </p:cNvPr>
-          <p:cNvSpPr>
-            <a:spLocks noGrp="1" noRot="1" noChangeAspect="1" noMove="1" noResize="1" noEditPoints="1" noAdjustHandles="1" noChangeArrowheads="1" noChangeShapeType="1" noTextEdit="1"/>
-          </p:cNvSpPr>
-          <p:nvPr>
-            <p:extLst>
-              <p:ext uri="{386F3935-93C4-4BCD-93E2-E3B085C9AB24}">
-                <p16:designElem xmlns:p16="http://schemas.microsoft.com/office/powerpoint/2015/main" val="1"/>
-              </p:ext>
-            </p:extLst>
-          </p:nvPr>
-        </p:nvSpPr>
-        <p:spPr>
-          <a:xfrm>
-            <a:off x="0" y="0"/>
-            <a:ext cx="12192000" cy="6858000"/>
-          </a:xfrm>
-          <a:prstGeom prst="rect">
-            <a:avLst/>
-          </a:prstGeom>
-          <a:ln w="12700" cap="flat" cmpd="sng" algn="ctr">
-            <a:noFill/>
-            <a:prstDash val="solid"/>
-            <a:miter lim="800000"/>
-          </a:ln>
-          <a:effectLst/>
-          <a:extLst>
-            <a:ext uri="{91240B29-F687-4F45-9708-019B960494DF}">
-              <a14:hiddenLine xmlns:a14="http://schemas.microsoft.com/office/drawing/2010/main" w="12700" cap="flat" cmpd="sng" algn="ctr">
-                <a:solidFill>
-                  <a:schemeClr val="accent1">
-                    <a:shade val="50000"/>
-                  </a:schemeClr>
-                </a:solidFill>
-                <a:prstDash val="solid"/>
-                <a:miter lim="800000"/>
-              </a14:hiddenLine>
-            </a:ext>
-          </a:extLst>
-        </p:spPr>
-        <p:style>
-          <a:lnRef idx="2">
-            <a:schemeClr val="accent1">
-              <a:shade val="50000"/>
-            </a:schemeClr>
-          </a:lnRef>
-          <a:fillRef idx="1">
-            <a:schemeClr val="accent1"/>
-          </a:fillRef>
-          <a:effectRef idx="0">
-            <a:schemeClr val="accent1"/>
-          </a:effectRef>
-          <a:fontRef idx="minor">
-            <a:schemeClr val="lt1"/>
-          </a:fontRef>
-        </p:style>
-        <p:txBody>
-          <a:bodyPr rtlCol="0" anchor="ctr"/>
-          <a:lstStyle/>
-          <a:p>
-            <a:pPr algn="ctr"/>
-            <a:endParaRPr lang="en-US"/>
-          </a:p>
-        </p:txBody>
-      </p:sp>
-      <p:sp>
-        <p:nvSpPr>
-          <p:cNvPr id="27" name="Rectangle 26">
-            <a:extLst>
-              <a:ext uri="{FF2B5EF4-FFF2-40B4-BE49-F238E27FC236}">
-                <a16:creationId xmlns:a16="http://schemas.microsoft.com/office/drawing/2014/main" id="{3B2E3793-BFE6-45A2-9B7B-E18844431C99}"/>
-              </a:ext>
-              <a:ext uri="{C183D7F6-B498-43B3-948B-1728B52AA6E4}">
-                <adec:decorative xmlns:adec="http://schemas.microsoft.com/office/drawing/2017/decorative" val="1"/>
-              </a:ext>
-            </a:extLst>
-          </p:cNvPr>
-          <p:cNvSpPr>
-            <a:spLocks noGrp="1" noRot="1" noChangeAspect="1" noMove="1" noResize="1" noEditPoints="1" noAdjustHandles="1" noChangeArrowheads="1" noChangeShapeType="1" noTextEdit="1"/>
-          </p:cNvSpPr>
-          <p:nvPr>
-            <p:extLst>
-              <p:ext uri="{386F3935-93C4-4BCD-93E2-E3B085C9AB24}">
-                <p16:designElem xmlns:p16="http://schemas.microsoft.com/office/powerpoint/2015/main" val="1"/>
-              </p:ext>
-            </p:extLst>
-          </p:nvPr>
-        </p:nvSpPr>
-        <p:spPr>
-          <a:xfrm flipH="1">
-            <a:off x="-1" y="-1"/>
-            <a:ext cx="12191998" cy="1590742"/>
-          </a:xfrm>
-          <a:prstGeom prst="rect">
-            <a:avLst/>
-          </a:prstGeom>
-          <a:gradFill>
-            <a:gsLst>
-              <a:gs pos="0">
-                <a:srgbClr val="000000"/>
-              </a:gs>
-              <a:gs pos="100000">
-                <a:schemeClr val="accent1">
-                  <a:lumMod val="75000"/>
-                </a:schemeClr>
-              </a:gs>
-            </a:gsLst>
-            <a:lin ang="8400000" scaled="0"/>
-          </a:gradFill>
-          <a:ln>
-            <a:noFill/>
-          </a:ln>
-        </p:spPr>
-        <p:style>
-          <a:lnRef idx="2">
-            <a:schemeClr val="accent1">
-              <a:shade val="50000"/>
-            </a:schemeClr>
-          </a:lnRef>
-          <a:fillRef idx="1">
-            <a:schemeClr val="accent1"/>
-          </a:fillRef>
-          <a:effectRef idx="0">
-            <a:schemeClr val="accent1"/>
-          </a:effectRef>
-          <a:fontRef idx="minor">
-            <a:schemeClr val="lt1"/>
-          </a:fontRef>
-        </p:style>
-        <p:txBody>
-          <a:bodyPr rtlCol="0" anchor="ctr"/>
-          <a:lstStyle/>
-          <a:p>
-            <a:pPr algn="ctr"/>
-            <a:endParaRPr lang="en-US"/>
-          </a:p>
-        </p:txBody>
-      </p:sp>
-      <p:sp>
-        <p:nvSpPr>
-          <p:cNvPr id="29" name="Rectangle 28">
-            <a:extLst>
-              <a:ext uri="{FF2B5EF4-FFF2-40B4-BE49-F238E27FC236}">
-                <a16:creationId xmlns:a16="http://schemas.microsoft.com/office/drawing/2014/main" id="{BC4C4868-CB8F-4AF9-9CDB-8108F2C19B67}"/>
-              </a:ext>
-              <a:ext uri="{C183D7F6-B498-43B3-948B-1728B52AA6E4}">
-                <adec:decorative xmlns:adec="http://schemas.microsoft.com/office/drawing/2017/decorative" val="1"/>
-              </a:ext>
-            </a:extLst>
-          </p:cNvPr>
-          <p:cNvSpPr>
-            <a:spLocks noGrp="1" noRot="1" noChangeAspect="1" noMove="1" noResize="1" noEditPoints="1" noAdjustHandles="1" noChangeArrowheads="1" noChangeShapeType="1" noTextEdit="1"/>
-          </p:cNvSpPr>
-          <p:nvPr>
-            <p:extLst>
-              <p:ext uri="{386F3935-93C4-4BCD-93E2-E3B085C9AB24}">
-                <p16:designElem xmlns:p16="http://schemas.microsoft.com/office/powerpoint/2015/main" val="1"/>
-              </p:ext>
-            </p:extLst>
-          </p:nvPr>
-        </p:nvSpPr>
-        <p:spPr>
-          <a:xfrm rot="10800000" flipH="1">
-            <a:off x="-3" y="0"/>
-            <a:ext cx="8115306" cy="1590742"/>
-          </a:xfrm>
-          <a:prstGeom prst="rect">
-            <a:avLst/>
-          </a:prstGeom>
-          <a:gradFill>
-            <a:gsLst>
-              <a:gs pos="20000">
-                <a:schemeClr val="accent1">
-                  <a:alpha val="0"/>
-                </a:schemeClr>
-              </a:gs>
-              <a:gs pos="100000">
-                <a:schemeClr val="accent1">
-                  <a:lumMod val="50000"/>
-                  <a:alpha val="55000"/>
-                </a:schemeClr>
-              </a:gs>
-            </a:gsLst>
-            <a:lin ang="13800000" scaled="0"/>
-          </a:gradFill>
-          <a:ln>
-            <a:noFill/>
-          </a:ln>
-        </p:spPr>
-        <p:style>
-          <a:lnRef idx="2">
-            <a:schemeClr val="accent1">
-              <a:shade val="50000"/>
-            </a:schemeClr>
-          </a:lnRef>
-          <a:fillRef idx="1">
-            <a:schemeClr val="accent1"/>
-          </a:fillRef>
-          <a:effectRef idx="0">
-            <a:schemeClr val="accent1"/>
-          </a:effectRef>
-          <a:fontRef idx="minor">
-            <a:schemeClr val="lt1"/>
-          </a:fontRef>
-        </p:style>
-        <p:txBody>
-          <a:bodyPr rtlCol="0" anchor="ctr"/>
-          <a:lstStyle/>
-          <a:p>
-            <a:pPr algn="ctr"/>
-            <a:endParaRPr lang="en-US"/>
-          </a:p>
-        </p:txBody>
-      </p:sp>
-      <p:sp>
-        <p:nvSpPr>
-          <p:cNvPr id="31" name="Rectangle 30">
-            <a:extLst>
-              <a:ext uri="{FF2B5EF4-FFF2-40B4-BE49-F238E27FC236}">
-                <a16:creationId xmlns:a16="http://schemas.microsoft.com/office/drawing/2014/main" id="{375E0459-6403-40CD-989D-56A4407CA12E}"/>
-              </a:ext>
-              <a:ext uri="{C183D7F6-B498-43B3-948B-1728B52AA6E4}">
-                <adec:decorative xmlns:adec="http://schemas.microsoft.com/office/drawing/2017/decorative" val="1"/>
-              </a:ext>
-            </a:extLst>
-          </p:cNvPr>
-          <p:cNvSpPr>
-            <a:spLocks noGrp="1" noRot="1" noChangeAspect="1" noMove="1" noResize="1" noEditPoints="1" noAdjustHandles="1" noChangeArrowheads="1" noChangeShapeType="1" noTextEdit="1"/>
-          </p:cNvSpPr>
-          <p:nvPr>
-            <p:extLst>
-              <p:ext uri="{386F3935-93C4-4BCD-93E2-E3B085C9AB24}">
-                <p16:designElem xmlns:p16="http://schemas.microsoft.com/office/powerpoint/2015/main" val="1"/>
-              </p:ext>
-            </p:extLst>
-          </p:nvPr>
-        </p:nvSpPr>
-        <p:spPr>
-          <a:xfrm flipH="1">
-            <a:off x="8115299" y="-1"/>
-            <a:ext cx="4076698" cy="1590742"/>
-          </a:xfrm>
-          <a:prstGeom prst="rect">
-            <a:avLst/>
-          </a:prstGeom>
-          <a:gradFill>
-            <a:gsLst>
-              <a:gs pos="0">
-                <a:schemeClr val="accent1">
-                  <a:alpha val="66000"/>
-                </a:schemeClr>
-              </a:gs>
-              <a:gs pos="100000">
-                <a:srgbClr val="000000">
-                  <a:alpha val="30000"/>
-                </a:srgbClr>
-              </a:gs>
-            </a:gsLst>
-            <a:lin ang="13200000" scaled="0"/>
-          </a:gradFill>
-          <a:ln>
-            <a:noFill/>
-          </a:ln>
-        </p:spPr>
-        <p:style>
-          <a:lnRef idx="2">
-            <a:schemeClr val="accent1">
-              <a:shade val="50000"/>
-            </a:schemeClr>
-          </a:lnRef>
-          <a:fillRef idx="1">
-            <a:schemeClr val="accent1"/>
-          </a:fillRef>
-          <a:effectRef idx="0">
-            <a:schemeClr val="accent1"/>
-          </a:effectRef>
-          <a:fontRef idx="minor">
-            <a:schemeClr val="lt1"/>
-          </a:fontRef>
-        </p:style>
-        <p:txBody>
-          <a:bodyPr rtlCol="0" anchor="ctr"/>
-          <a:lstStyle/>
-          <a:p>
-            <a:pPr algn="ctr"/>
-            <a:endParaRPr lang="en-US"/>
-          </a:p>
-        </p:txBody>
-      </p:sp>
-      <p:sp>
-        <p:nvSpPr>
-          <p:cNvPr id="33" name="Rectangle 32">
-            <a:extLst>
-              <a:ext uri="{FF2B5EF4-FFF2-40B4-BE49-F238E27FC236}">
-                <a16:creationId xmlns:a16="http://schemas.microsoft.com/office/drawing/2014/main" id="{53E5B1A8-3AC9-4BD1-9BBC-78CA94F2D1BA}"/>
-              </a:ext>
-              <a:ext uri="{C183D7F6-B498-43B3-948B-1728B52AA6E4}">
-                <adec:decorative xmlns:adec="http://schemas.microsoft.com/office/drawing/2017/decorative" val="1"/>
-              </a:ext>
-            </a:extLst>
-          </p:cNvPr>
-          <p:cNvSpPr>
-            <a:spLocks noGrp="1" noRot="1" noChangeAspect="1" noMove="1" noResize="1" noEditPoints="1" noAdjustHandles="1" noChangeArrowheads="1" noChangeShapeType="1" noTextEdit="1"/>
-          </p:cNvSpPr>
-          <p:nvPr>
-            <p:extLst>
-              <p:ext uri="{386F3935-93C4-4BCD-93E2-E3B085C9AB24}">
-                <p16:designElem xmlns:p16="http://schemas.microsoft.com/office/powerpoint/2015/main" val="1"/>
-              </p:ext>
-            </p:extLst>
-          </p:nvPr>
-        </p:nvSpPr>
-        <p:spPr>
-          <a:xfrm>
-            <a:off x="459350" y="-1"/>
-            <a:ext cx="11732646" cy="1597433"/>
-          </a:xfrm>
-          <a:prstGeom prst="rect">
-            <a:avLst/>
-          </a:prstGeom>
-          <a:gradFill>
-            <a:gsLst>
-              <a:gs pos="50000">
-                <a:srgbClr val="000000">
-                  <a:alpha val="0"/>
-                </a:srgbClr>
-              </a:gs>
-              <a:gs pos="99000">
-                <a:schemeClr val="accent1">
-                  <a:lumMod val="50000"/>
-                  <a:alpha val="52000"/>
-                </a:schemeClr>
-              </a:gs>
-            </a:gsLst>
-            <a:lin ang="16800000" scaled="0"/>
-          </a:gradFill>
-          <a:ln>
-            <a:noFill/>
-          </a:ln>
-        </p:spPr>
-        <p:style>
-          <a:lnRef idx="2">
-            <a:schemeClr val="accent1">
-              <a:shade val="50000"/>
-            </a:schemeClr>
-          </a:lnRef>
-          <a:fillRef idx="1">
-            <a:schemeClr val="accent1"/>
-          </a:fillRef>
-          <a:effectRef idx="0">
-            <a:schemeClr val="accent1"/>
-          </a:effectRef>
-          <a:fontRef idx="minor">
-            <a:schemeClr val="lt1"/>
-          </a:fontRef>
-        </p:style>
-        <p:txBody>
-          <a:bodyPr rtlCol="0" anchor="ctr"/>
-          <a:lstStyle/>
-          <a:p>
-            <a:pPr algn="ctr"/>
-            <a:endParaRPr lang="en-US"/>
-          </a:p>
-        </p:txBody>
-      </p:sp>
-      <p:sp>
-        <p:nvSpPr>
-          <p:cNvPr id="2" name="Título 1">
-            <a:extLst>
-              <a:ext uri="{FF2B5EF4-FFF2-40B4-BE49-F238E27FC236}">
-                <a16:creationId xmlns:a16="http://schemas.microsoft.com/office/drawing/2014/main" id="{5BEFFBD3-06E5-46B3-2C02-E067719D5ABE}"/>
-              </a:ext>
-            </a:extLst>
-          </p:cNvPr>
-          <p:cNvSpPr>
-            <a:spLocks noGrp="1"/>
-          </p:cNvSpPr>
-          <p:nvPr>
-            <p:ph type="title"/>
-          </p:nvPr>
-        </p:nvSpPr>
-        <p:spPr>
-          <a:xfrm>
-            <a:off x="1371599" y="294538"/>
-            <a:ext cx="9895951" cy="1033669"/>
-          </a:xfrm>
-        </p:spPr>
-        <p:txBody>
-          <a:bodyPr>
-            <a:normAutofit/>
-          </a:bodyPr>
-          <a:lstStyle/>
-          <a:p>
-            <a:r>
-              <a:rPr lang="pt-BR" sz="4000">
-                <a:solidFill>
-                  <a:srgbClr val="FFFFFF"/>
-                </a:solidFill>
-              </a:rPr>
-              <a:t>Introdução</a:t>
-            </a:r>
-          </a:p>
-        </p:txBody>
-      </p:sp>
-      <p:sp>
-        <p:nvSpPr>
-          <p:cNvPr id="3" name="Espaço Reservado para Conteúdo 2">
-            <a:extLst>
-              <a:ext uri="{FF2B5EF4-FFF2-40B4-BE49-F238E27FC236}">
-                <a16:creationId xmlns:a16="http://schemas.microsoft.com/office/drawing/2014/main" id="{DF210704-862E-9AA4-D0B4-EBDC3B28828B}"/>
-              </a:ext>
-            </a:extLst>
-          </p:cNvPr>
-          <p:cNvSpPr>
-            <a:spLocks noGrp="1"/>
-          </p:cNvSpPr>
-          <p:nvPr>
-            <p:ph idx="1"/>
-          </p:nvPr>
-        </p:nvSpPr>
-        <p:spPr>
-          <a:xfrm>
-            <a:off x="1371599" y="2318197"/>
-            <a:ext cx="9724031" cy="3683358"/>
-          </a:xfrm>
-        </p:spPr>
-        <p:txBody>
-          <a:bodyPr anchor="ctr">
-            <a:normAutofit/>
-          </a:bodyPr>
-          <a:lstStyle/>
-          <a:p>
-            <a:pPr marL="0" indent="0">
-              <a:buNone/>
-            </a:pPr>
-            <a:r>
-              <a:rPr lang="pt-BR" sz="2000">
-                <a:effectLst/>
-                <a:latin typeface="Arial" panose="020B0604020202020204" pitchFamily="34" charset="0"/>
-              </a:rPr>
-              <a:t>Este projeto foi concebido como parte do curso de Projeto Integrador de Ciência de Dados e Inteligência Artificial III no IESB. O principal objetivo era desenvolver um sistema robusto para a coleta, tratamento e análise de dados de internações hospitalares do DATASUS entre 2019 e 2023.</a:t>
-            </a:r>
-          </a:p>
-          <a:p>
-            <a:pPr marL="0" indent="0">
-              <a:buNone/>
-            </a:pPr>
-            <a:r>
-              <a:rPr lang="pt-BR" sz="2000">
-                <a:effectLst/>
-                <a:latin typeface="Arial" panose="020B0604020202020204" pitchFamily="34" charset="0"/>
-              </a:rPr>
-              <a:t> Através deste projeto, busquei compreender melhor as tendências de saúde, os padrões de doenças e os resultados de tratamentos em diferentes regiões do Brasil, fornecendo assim, dados valiosos para decisões políticas e gestão de recursos no sistema de saúde.</a:t>
-            </a:r>
-            <a:endParaRPr lang="pt-BR" sz="2000"/>
-          </a:p>
-        </p:txBody>
-      </p:sp>
-    </p:spTree>
-    <p:extLst>
-      <p:ext uri="{BB962C8B-B14F-4D97-AF65-F5344CB8AC3E}">
-        <p14:creationId xmlns:p14="http://schemas.microsoft.com/office/powerpoint/2010/main" val="4108785681"/>
       </p:ext>
     </p:extLst>
   </p:cSld>
